--- a/qm/double slit.pptx
+++ b/qm/double slit.pptx
@@ -4,8 +4,12 @@
   <p:sldMasterIdLst>
     <p:sldMasterId id="2147483648" r:id="rId1"/>
   </p:sldMasterIdLst>
+  <p:notesMasterIdLst>
+    <p:notesMasterId r:id="rId4"/>
+  </p:notesMasterIdLst>
   <p:sldIdLst>
-    <p:sldId id="256" r:id="rId2"/>
+    <p:sldId id="257" r:id="rId2"/>
+    <p:sldId id="256" r:id="rId3"/>
   </p:sldIdLst>
   <p:sldSz cx="12192000" cy="6858000"/>
   <p:notesSz cx="6858000" cy="9144000"/>
@@ -104,7 +108,445 @@
       </a:defRPr>
     </a:lvl9pPr>
   </p:defaultTextStyle>
+  <p:extLst>
+    <p:ext uri="{EFAFB233-063F-42B5-8137-9DF3F51BA10A}">
+      <p15:sldGuideLst xmlns:p15="http://schemas.microsoft.com/office/powerpoint/2012/main"/>
+    </p:ext>
+  </p:extLst>
 </p:presentation>
+</file>
+
+<file path=ppt/notesMasters/notesMaster1.xml><?xml version="1.0" encoding="utf-8"?>
+<p:notesMaster xmlns:a="http://schemas.openxmlformats.org/drawingml/2006/main" xmlns:r="http://schemas.openxmlformats.org/officeDocument/2006/relationships" xmlns:p="http://schemas.openxmlformats.org/presentationml/2006/main">
+  <p:cSld>
+    <p:bg>
+      <p:bgRef idx="1001">
+        <a:schemeClr val="bg1"/>
+      </p:bgRef>
+    </p:bg>
+    <p:spTree>
+      <p:nvGrpSpPr>
+        <p:cNvPr id="1" name=""/>
+        <p:cNvGrpSpPr/>
+        <p:nvPr/>
+      </p:nvGrpSpPr>
+      <p:grpSpPr>
+        <a:xfrm>
+          <a:off x="0" y="0"/>
+          <a:ext cx="0" cy="0"/>
+          <a:chOff x="0" y="0"/>
+          <a:chExt cx="0" cy="0"/>
+        </a:xfrm>
+      </p:grpSpPr>
+      <p:sp>
+        <p:nvSpPr>
+          <p:cNvPr id="2" name="Header Placeholder 1"/>
+          <p:cNvSpPr>
+            <a:spLocks noGrp="1"/>
+          </p:cNvSpPr>
+          <p:nvPr>
+            <p:ph type="hdr" sz="quarter"/>
+          </p:nvPr>
+        </p:nvSpPr>
+        <p:spPr>
+          <a:xfrm>
+            <a:off x="0" y="0"/>
+            <a:ext cx="2971800" cy="458788"/>
+          </a:xfrm>
+          <a:prstGeom prst="rect">
+            <a:avLst/>
+          </a:prstGeom>
+        </p:spPr>
+        <p:txBody>
+          <a:bodyPr vert="horz" lIns="91440" tIns="45720" rIns="91440" bIns="45720" rtlCol="0"/>
+          <a:lstStyle>
+            <a:lvl1pPr algn="l">
+              <a:defRPr sz="1200"/>
+            </a:lvl1pPr>
+          </a:lstStyle>
+          <a:p>
+            <a:endParaRPr lang="en-US"/>
+          </a:p>
+        </p:txBody>
+      </p:sp>
+      <p:sp>
+        <p:nvSpPr>
+          <p:cNvPr id="3" name="Date Placeholder 2"/>
+          <p:cNvSpPr>
+            <a:spLocks noGrp="1"/>
+          </p:cNvSpPr>
+          <p:nvPr>
+            <p:ph type="dt" idx="1"/>
+          </p:nvPr>
+        </p:nvSpPr>
+        <p:spPr>
+          <a:xfrm>
+            <a:off x="3884613" y="0"/>
+            <a:ext cx="2971800" cy="458788"/>
+          </a:xfrm>
+          <a:prstGeom prst="rect">
+            <a:avLst/>
+          </a:prstGeom>
+        </p:spPr>
+        <p:txBody>
+          <a:bodyPr vert="horz" lIns="91440" tIns="45720" rIns="91440" bIns="45720" rtlCol="0"/>
+          <a:lstStyle>
+            <a:lvl1pPr algn="r">
+              <a:defRPr sz="1200"/>
+            </a:lvl1pPr>
+          </a:lstStyle>
+          <a:p>
+            <a:fld id="{4D8C7975-7758-2A45-89D3-3D92B788EE9F}" type="datetimeFigureOut">
+              <a:rPr lang="en-US" smtClean="0"/>
+              <a:t>11/25/25</a:t>
+            </a:fld>
+            <a:endParaRPr lang="en-US"/>
+          </a:p>
+        </p:txBody>
+      </p:sp>
+      <p:sp>
+        <p:nvSpPr>
+          <p:cNvPr id="4" name="Slide Image Placeholder 3"/>
+          <p:cNvSpPr>
+            <a:spLocks noGrp="1" noRot="1" noChangeAspect="1"/>
+          </p:cNvSpPr>
+          <p:nvPr>
+            <p:ph type="sldImg" idx="2"/>
+          </p:nvPr>
+        </p:nvSpPr>
+        <p:spPr>
+          <a:xfrm>
+            <a:off x="685800" y="1143000"/>
+            <a:ext cx="5486400" cy="3086100"/>
+          </a:xfrm>
+          <a:prstGeom prst="rect">
+            <a:avLst/>
+          </a:prstGeom>
+          <a:noFill/>
+          <a:ln w="12700">
+            <a:solidFill>
+              <a:prstClr val="black"/>
+            </a:solidFill>
+          </a:ln>
+        </p:spPr>
+        <p:txBody>
+          <a:bodyPr vert="horz" lIns="91440" tIns="45720" rIns="91440" bIns="45720" rtlCol="0" anchor="ctr"/>
+          <a:lstStyle/>
+          <a:p>
+            <a:endParaRPr lang="en-US"/>
+          </a:p>
+        </p:txBody>
+      </p:sp>
+      <p:sp>
+        <p:nvSpPr>
+          <p:cNvPr id="5" name="Notes Placeholder 4"/>
+          <p:cNvSpPr>
+            <a:spLocks noGrp="1"/>
+          </p:cNvSpPr>
+          <p:nvPr>
+            <p:ph type="body" sz="quarter" idx="3"/>
+          </p:nvPr>
+        </p:nvSpPr>
+        <p:spPr>
+          <a:xfrm>
+            <a:off x="685800" y="4400550"/>
+            <a:ext cx="5486400" cy="3600450"/>
+          </a:xfrm>
+          <a:prstGeom prst="rect">
+            <a:avLst/>
+          </a:prstGeom>
+        </p:spPr>
+        <p:txBody>
+          <a:bodyPr vert="horz" lIns="91440" tIns="45720" rIns="91440" bIns="45720" rtlCol="0"/>
+          <a:lstStyle/>
+          <a:p>
+            <a:pPr lvl="0"/>
+            <a:r>
+              <a:rPr lang="en-US"/>
+              <a:t>Click to edit Master text styles</a:t>
+            </a:r>
+          </a:p>
+          <a:p>
+            <a:pPr lvl="1"/>
+            <a:r>
+              <a:rPr lang="en-US"/>
+              <a:t>Second level</a:t>
+            </a:r>
+          </a:p>
+          <a:p>
+            <a:pPr lvl="2"/>
+            <a:r>
+              <a:rPr lang="en-US"/>
+              <a:t>Third level</a:t>
+            </a:r>
+          </a:p>
+          <a:p>
+            <a:pPr lvl="3"/>
+            <a:r>
+              <a:rPr lang="en-US"/>
+              <a:t>Fourth level</a:t>
+            </a:r>
+          </a:p>
+          <a:p>
+            <a:pPr lvl="4"/>
+            <a:r>
+              <a:rPr lang="en-US"/>
+              <a:t>Fifth level</a:t>
+            </a:r>
+          </a:p>
+        </p:txBody>
+      </p:sp>
+      <p:sp>
+        <p:nvSpPr>
+          <p:cNvPr id="6" name="Footer Placeholder 5"/>
+          <p:cNvSpPr>
+            <a:spLocks noGrp="1"/>
+          </p:cNvSpPr>
+          <p:nvPr>
+            <p:ph type="ftr" sz="quarter" idx="4"/>
+          </p:nvPr>
+        </p:nvSpPr>
+        <p:spPr>
+          <a:xfrm>
+            <a:off x="0" y="8685213"/>
+            <a:ext cx="2971800" cy="458787"/>
+          </a:xfrm>
+          <a:prstGeom prst="rect">
+            <a:avLst/>
+          </a:prstGeom>
+        </p:spPr>
+        <p:txBody>
+          <a:bodyPr vert="horz" lIns="91440" tIns="45720" rIns="91440" bIns="45720" rtlCol="0" anchor="b"/>
+          <a:lstStyle>
+            <a:lvl1pPr algn="l">
+              <a:defRPr sz="1200"/>
+            </a:lvl1pPr>
+          </a:lstStyle>
+          <a:p>
+            <a:endParaRPr lang="en-US"/>
+          </a:p>
+        </p:txBody>
+      </p:sp>
+      <p:sp>
+        <p:nvSpPr>
+          <p:cNvPr id="7" name="Slide Number Placeholder 6"/>
+          <p:cNvSpPr>
+            <a:spLocks noGrp="1"/>
+          </p:cNvSpPr>
+          <p:nvPr>
+            <p:ph type="sldNum" sz="quarter" idx="5"/>
+          </p:nvPr>
+        </p:nvSpPr>
+        <p:spPr>
+          <a:xfrm>
+            <a:off x="3884613" y="8685213"/>
+            <a:ext cx="2971800" cy="458787"/>
+          </a:xfrm>
+          <a:prstGeom prst="rect">
+            <a:avLst/>
+          </a:prstGeom>
+        </p:spPr>
+        <p:txBody>
+          <a:bodyPr vert="horz" lIns="91440" tIns="45720" rIns="91440" bIns="45720" rtlCol="0" anchor="b"/>
+          <a:lstStyle>
+            <a:lvl1pPr algn="r">
+              <a:defRPr sz="1200"/>
+            </a:lvl1pPr>
+          </a:lstStyle>
+          <a:p>
+            <a:fld id="{9DB96BB1-5389-484D-8753-59F479745807}" type="slidenum">
+              <a:rPr lang="en-US" smtClean="0"/>
+              <a:t>‹#›</a:t>
+            </a:fld>
+            <a:endParaRPr lang="en-US"/>
+          </a:p>
+        </p:txBody>
+      </p:sp>
+    </p:spTree>
+    <p:extLst>
+      <p:ext uri="{BB962C8B-B14F-4D97-AF65-F5344CB8AC3E}">
+        <p14:creationId xmlns:p14="http://schemas.microsoft.com/office/powerpoint/2010/main" val="596412820"/>
+      </p:ext>
+    </p:extLst>
+  </p:cSld>
+  <p:clrMap bg1="lt1" tx1="dk1" bg2="lt2" tx2="dk2" accent1="accent1" accent2="accent2" accent3="accent3" accent4="accent4" accent5="accent5" accent6="accent6" hlink="hlink" folHlink="folHlink"/>
+  <p:notesStyle>
+    <a:lvl1pPr marL="0" algn="l" defTabSz="914400" rtl="0" eaLnBrk="1" latinLnBrk="0" hangingPunct="1">
+      <a:defRPr sz="1200" kern="1200">
+        <a:solidFill>
+          <a:schemeClr val="tx1"/>
+        </a:solidFill>
+        <a:latin typeface="+mn-lt"/>
+        <a:ea typeface="+mn-ea"/>
+        <a:cs typeface="+mn-cs"/>
+      </a:defRPr>
+    </a:lvl1pPr>
+    <a:lvl2pPr marL="457200" algn="l" defTabSz="914400" rtl="0" eaLnBrk="1" latinLnBrk="0" hangingPunct="1">
+      <a:defRPr sz="1200" kern="1200">
+        <a:solidFill>
+          <a:schemeClr val="tx1"/>
+        </a:solidFill>
+        <a:latin typeface="+mn-lt"/>
+        <a:ea typeface="+mn-ea"/>
+        <a:cs typeface="+mn-cs"/>
+      </a:defRPr>
+    </a:lvl2pPr>
+    <a:lvl3pPr marL="914400" algn="l" defTabSz="914400" rtl="0" eaLnBrk="1" latinLnBrk="0" hangingPunct="1">
+      <a:defRPr sz="1200" kern="1200">
+        <a:solidFill>
+          <a:schemeClr val="tx1"/>
+        </a:solidFill>
+        <a:latin typeface="+mn-lt"/>
+        <a:ea typeface="+mn-ea"/>
+        <a:cs typeface="+mn-cs"/>
+      </a:defRPr>
+    </a:lvl3pPr>
+    <a:lvl4pPr marL="1371600" algn="l" defTabSz="914400" rtl="0" eaLnBrk="1" latinLnBrk="0" hangingPunct="1">
+      <a:defRPr sz="1200" kern="1200">
+        <a:solidFill>
+          <a:schemeClr val="tx1"/>
+        </a:solidFill>
+        <a:latin typeface="+mn-lt"/>
+        <a:ea typeface="+mn-ea"/>
+        <a:cs typeface="+mn-cs"/>
+      </a:defRPr>
+    </a:lvl4pPr>
+    <a:lvl5pPr marL="1828800" algn="l" defTabSz="914400" rtl="0" eaLnBrk="1" latinLnBrk="0" hangingPunct="1">
+      <a:defRPr sz="1200" kern="1200">
+        <a:solidFill>
+          <a:schemeClr val="tx1"/>
+        </a:solidFill>
+        <a:latin typeface="+mn-lt"/>
+        <a:ea typeface="+mn-ea"/>
+        <a:cs typeface="+mn-cs"/>
+      </a:defRPr>
+    </a:lvl5pPr>
+    <a:lvl6pPr marL="2286000" algn="l" defTabSz="914400" rtl="0" eaLnBrk="1" latinLnBrk="0" hangingPunct="1">
+      <a:defRPr sz="1200" kern="1200">
+        <a:solidFill>
+          <a:schemeClr val="tx1"/>
+        </a:solidFill>
+        <a:latin typeface="+mn-lt"/>
+        <a:ea typeface="+mn-ea"/>
+        <a:cs typeface="+mn-cs"/>
+      </a:defRPr>
+    </a:lvl6pPr>
+    <a:lvl7pPr marL="2743200" algn="l" defTabSz="914400" rtl="0" eaLnBrk="1" latinLnBrk="0" hangingPunct="1">
+      <a:defRPr sz="1200" kern="1200">
+        <a:solidFill>
+          <a:schemeClr val="tx1"/>
+        </a:solidFill>
+        <a:latin typeface="+mn-lt"/>
+        <a:ea typeface="+mn-ea"/>
+        <a:cs typeface="+mn-cs"/>
+      </a:defRPr>
+    </a:lvl7pPr>
+    <a:lvl8pPr marL="3200400" algn="l" defTabSz="914400" rtl="0" eaLnBrk="1" latinLnBrk="0" hangingPunct="1">
+      <a:defRPr sz="1200" kern="1200">
+        <a:solidFill>
+          <a:schemeClr val="tx1"/>
+        </a:solidFill>
+        <a:latin typeface="+mn-lt"/>
+        <a:ea typeface="+mn-ea"/>
+        <a:cs typeface="+mn-cs"/>
+      </a:defRPr>
+    </a:lvl8pPr>
+    <a:lvl9pPr marL="3657600" algn="l" defTabSz="914400" rtl="0" eaLnBrk="1" latinLnBrk="0" hangingPunct="1">
+      <a:defRPr sz="1200" kern="1200">
+        <a:solidFill>
+          <a:schemeClr val="tx1"/>
+        </a:solidFill>
+        <a:latin typeface="+mn-lt"/>
+        <a:ea typeface="+mn-ea"/>
+        <a:cs typeface="+mn-cs"/>
+      </a:defRPr>
+    </a:lvl9pPr>
+  </p:notesStyle>
+</p:notesMaster>
+</file>
+
+<file path=ppt/notesSlides/notesSlide1.xml><?xml version="1.0" encoding="utf-8"?>
+<p:notes xmlns:a="http://schemas.openxmlformats.org/drawingml/2006/main" xmlns:r="http://schemas.openxmlformats.org/officeDocument/2006/relationships" xmlns:p="http://schemas.openxmlformats.org/presentationml/2006/main">
+  <p:cSld>
+    <p:spTree>
+      <p:nvGrpSpPr>
+        <p:cNvPr id="1" name=""/>
+        <p:cNvGrpSpPr/>
+        <p:nvPr/>
+      </p:nvGrpSpPr>
+      <p:grpSpPr>
+        <a:xfrm>
+          <a:off x="0" y="0"/>
+          <a:ext cx="0" cy="0"/>
+          <a:chOff x="0" y="0"/>
+          <a:chExt cx="0" cy="0"/>
+        </a:xfrm>
+      </p:grpSpPr>
+      <p:sp>
+        <p:nvSpPr>
+          <p:cNvPr id="2" name="Slide Image Placeholder 1"/>
+          <p:cNvSpPr>
+            <a:spLocks noGrp="1" noRot="1" noChangeAspect="1"/>
+          </p:cNvSpPr>
+          <p:nvPr>
+            <p:ph type="sldImg"/>
+          </p:nvPr>
+        </p:nvSpPr>
+        <p:spPr/>
+      </p:sp>
+      <p:sp>
+        <p:nvSpPr>
+          <p:cNvPr id="3" name="Notes Placeholder 2"/>
+          <p:cNvSpPr>
+            <a:spLocks noGrp="1"/>
+          </p:cNvSpPr>
+          <p:nvPr>
+            <p:ph type="body" idx="1"/>
+          </p:nvPr>
+        </p:nvSpPr>
+        <p:spPr/>
+        <p:txBody>
+          <a:bodyPr/>
+          <a:lstStyle/>
+          <a:p>
+            <a:endParaRPr lang="en-US" dirty="0"/>
+          </a:p>
+        </p:txBody>
+      </p:sp>
+      <p:sp>
+        <p:nvSpPr>
+          <p:cNvPr id="4" name="Slide Number Placeholder 3"/>
+          <p:cNvSpPr>
+            <a:spLocks noGrp="1"/>
+          </p:cNvSpPr>
+          <p:nvPr>
+            <p:ph type="sldNum" sz="quarter" idx="5"/>
+          </p:nvPr>
+        </p:nvSpPr>
+        <p:spPr/>
+        <p:txBody>
+          <a:bodyPr/>
+          <a:lstStyle/>
+          <a:p>
+            <a:fld id="{9DB96BB1-5389-484D-8753-59F479745807}" type="slidenum">
+              <a:rPr lang="en-US" smtClean="0"/>
+              <a:t>2</a:t>
+            </a:fld>
+            <a:endParaRPr lang="en-US"/>
+          </a:p>
+        </p:txBody>
+      </p:sp>
+    </p:spTree>
+    <p:extLst>
+      <p:ext uri="{BB962C8B-B14F-4D97-AF65-F5344CB8AC3E}">
+        <p14:creationId xmlns:p14="http://schemas.microsoft.com/office/powerpoint/2010/main" val="808947991"/>
+      </p:ext>
+    </p:extLst>
+  </p:cSld>
+  <p:clrMapOvr>
+    <a:masterClrMapping/>
+  </p:clrMapOvr>
+</p:notes>
 </file>
 
 <file path=ppt/slideLayouts/slideLayout1.xml><?xml version="1.0" encoding="utf-8"?>
@@ -254,7 +696,7 @@
           <a:p>
             <a:fld id="{6F302925-4665-5F46-8E77-D7976938C888}" type="datetimeFigureOut">
               <a:rPr lang="en-US" smtClean="0"/>
-              <a:t>11/23/25</a:t>
+              <a:t>11/25/25</a:t>
             </a:fld>
             <a:endParaRPr lang="en-US"/>
           </a:p>
@@ -452,7 +894,7 @@
           <a:p>
             <a:fld id="{6F302925-4665-5F46-8E77-D7976938C888}" type="datetimeFigureOut">
               <a:rPr lang="en-US" smtClean="0"/>
-              <a:t>11/23/25</a:t>
+              <a:t>11/25/25</a:t>
             </a:fld>
             <a:endParaRPr lang="en-US"/>
           </a:p>
@@ -660,7 +1102,7 @@
           <a:p>
             <a:fld id="{6F302925-4665-5F46-8E77-D7976938C888}" type="datetimeFigureOut">
               <a:rPr lang="en-US" smtClean="0"/>
-              <a:t>11/23/25</a:t>
+              <a:t>11/25/25</a:t>
             </a:fld>
             <a:endParaRPr lang="en-US"/>
           </a:p>
@@ -858,7 +1300,7 @@
           <a:p>
             <a:fld id="{6F302925-4665-5F46-8E77-D7976938C888}" type="datetimeFigureOut">
               <a:rPr lang="en-US" smtClean="0"/>
-              <a:t>11/23/25</a:t>
+              <a:t>11/25/25</a:t>
             </a:fld>
             <a:endParaRPr lang="en-US"/>
           </a:p>
@@ -1133,7 +1575,7 @@
           <a:p>
             <a:fld id="{6F302925-4665-5F46-8E77-D7976938C888}" type="datetimeFigureOut">
               <a:rPr lang="en-US" smtClean="0"/>
-              <a:t>11/23/25</a:t>
+              <a:t>11/25/25</a:t>
             </a:fld>
             <a:endParaRPr lang="en-US"/>
           </a:p>
@@ -1398,7 +1840,7 @@
           <a:p>
             <a:fld id="{6F302925-4665-5F46-8E77-D7976938C888}" type="datetimeFigureOut">
               <a:rPr lang="en-US" smtClean="0"/>
-              <a:t>11/23/25</a:t>
+              <a:t>11/25/25</a:t>
             </a:fld>
             <a:endParaRPr lang="en-US"/>
           </a:p>
@@ -1810,7 +2252,7 @@
           <a:p>
             <a:fld id="{6F302925-4665-5F46-8E77-D7976938C888}" type="datetimeFigureOut">
               <a:rPr lang="en-US" smtClean="0"/>
-              <a:t>11/23/25</a:t>
+              <a:t>11/25/25</a:t>
             </a:fld>
             <a:endParaRPr lang="en-US"/>
           </a:p>
@@ -1951,7 +2393,7 @@
           <a:p>
             <a:fld id="{6F302925-4665-5F46-8E77-D7976938C888}" type="datetimeFigureOut">
               <a:rPr lang="en-US" smtClean="0"/>
-              <a:t>11/23/25</a:t>
+              <a:t>11/25/25</a:t>
             </a:fld>
             <a:endParaRPr lang="en-US"/>
           </a:p>
@@ -2064,7 +2506,7 @@
           <a:p>
             <a:fld id="{6F302925-4665-5F46-8E77-D7976938C888}" type="datetimeFigureOut">
               <a:rPr lang="en-US" smtClean="0"/>
-              <a:t>11/23/25</a:t>
+              <a:t>11/25/25</a:t>
             </a:fld>
             <a:endParaRPr lang="en-US"/>
           </a:p>
@@ -2375,7 +2817,7 @@
           <a:p>
             <a:fld id="{6F302925-4665-5F46-8E77-D7976938C888}" type="datetimeFigureOut">
               <a:rPr lang="en-US" smtClean="0"/>
-              <a:t>11/23/25</a:t>
+              <a:t>11/25/25</a:t>
             </a:fld>
             <a:endParaRPr lang="en-US"/>
           </a:p>
@@ -2663,7 +3105,7 @@
           <a:p>
             <a:fld id="{6F302925-4665-5F46-8E77-D7976938C888}" type="datetimeFigureOut">
               <a:rPr lang="en-US" smtClean="0"/>
-              <a:t>11/23/25</a:t>
+              <a:t>11/25/25</a:t>
             </a:fld>
             <a:endParaRPr lang="en-US"/>
           </a:p>
@@ -2904,7 +3346,7 @@
           <a:p>
             <a:fld id="{6F302925-4665-5F46-8E77-D7976938C888}" type="datetimeFigureOut">
               <a:rPr lang="en-US" smtClean="0"/>
-              <a:t>11/23/25</a:t>
+              <a:t>11/25/25</a:t>
             </a:fld>
             <a:endParaRPr lang="en-US"/>
           </a:p>
@@ -3309,7 +3751,13 @@
   <p:cSld>
     <p:spTree>
       <p:nvGrpSpPr>
-        <p:cNvPr id="1" name=""/>
+        <p:cNvPr id="1" name="">
+          <a:extLst>
+            <a:ext uri="{FF2B5EF4-FFF2-40B4-BE49-F238E27FC236}">
+              <a16:creationId xmlns:a16="http://schemas.microsoft.com/office/drawing/2014/main" id="{BCB3F50B-A79C-905B-7F20-D7CA6C2EDA00}"/>
+            </a:ext>
+          </a:extLst>
+        </p:cNvPr>
         <p:cNvGrpSpPr/>
         <p:nvPr/>
       </p:nvGrpSpPr>
@@ -3326,7 +3774,7 @@
           <p:cNvPr id="51" name="Group 50">
             <a:extLst>
               <a:ext uri="{FF2B5EF4-FFF2-40B4-BE49-F238E27FC236}">
-                <a16:creationId xmlns:a16="http://schemas.microsoft.com/office/drawing/2014/main" id="{591A6AFC-38B1-887F-A949-D11B6C5193BE}"/>
+                <a16:creationId xmlns:a16="http://schemas.microsoft.com/office/drawing/2014/main" id="{0CA43D4A-0750-BC70-53AD-2EBD155470C2}"/>
               </a:ext>
             </a:extLst>
           </p:cNvPr>
@@ -3346,7 +3794,7 @@
             <p:cNvPr id="52" name="Rectangle 51">
               <a:extLst>
                 <a:ext uri="{FF2B5EF4-FFF2-40B4-BE49-F238E27FC236}">
-                  <a16:creationId xmlns:a16="http://schemas.microsoft.com/office/drawing/2014/main" id="{094920DD-1E52-5114-6229-842AAE09AC23}"/>
+                  <a16:creationId xmlns:a16="http://schemas.microsoft.com/office/drawing/2014/main" id="{9BE6C25C-C16E-45C6-A8E8-BA6195A5A518}"/>
                 </a:ext>
               </a:extLst>
             </p:cNvPr>
@@ -3398,7 +3846,7 @@
             <p:cNvPr id="53" name="Rectangle 52">
               <a:extLst>
                 <a:ext uri="{FF2B5EF4-FFF2-40B4-BE49-F238E27FC236}">
-                  <a16:creationId xmlns:a16="http://schemas.microsoft.com/office/drawing/2014/main" id="{FBE4FDDA-6FAC-8717-62AA-069CDF374839}"/>
+                  <a16:creationId xmlns:a16="http://schemas.microsoft.com/office/drawing/2014/main" id="{6B192779-C53B-9F4C-47CF-17221D6199E8}"/>
                 </a:ext>
               </a:extLst>
             </p:cNvPr>
@@ -3450,7 +3898,7 @@
             <p:cNvPr id="54" name="Rectangle 53">
               <a:extLst>
                 <a:ext uri="{FF2B5EF4-FFF2-40B4-BE49-F238E27FC236}">
-                  <a16:creationId xmlns:a16="http://schemas.microsoft.com/office/drawing/2014/main" id="{7FA87EB8-6F75-5707-6538-946DFCB1301D}"/>
+                  <a16:creationId xmlns:a16="http://schemas.microsoft.com/office/drawing/2014/main" id="{F3C65449-2460-9B9D-29E2-49A9C916D5FC}"/>
                 </a:ext>
               </a:extLst>
             </p:cNvPr>
@@ -3502,7 +3950,7 @@
             <p:cNvPr id="55" name="Rectangle 54">
               <a:extLst>
                 <a:ext uri="{FF2B5EF4-FFF2-40B4-BE49-F238E27FC236}">
-                  <a16:creationId xmlns:a16="http://schemas.microsoft.com/office/drawing/2014/main" id="{F158B143-9048-CFC9-39DB-D8A04D136F5B}"/>
+                  <a16:creationId xmlns:a16="http://schemas.microsoft.com/office/drawing/2014/main" id="{7AEEA9C3-0E04-77EF-CE9E-C01FF116BD6C}"/>
                 </a:ext>
               </a:extLst>
             </p:cNvPr>
@@ -3511,8 +3959,8 @@
           </p:nvSpPr>
           <p:spPr>
             <a:xfrm>
-              <a:off x="2928572" y="2888972"/>
-              <a:ext cx="1292740" cy="788505"/>
+              <a:off x="2928572" y="3018264"/>
+              <a:ext cx="1292740" cy="531334"/>
             </a:xfrm>
             <a:prstGeom prst="rect">
               <a:avLst/>
@@ -3554,7 +4002,7 @@
             <p:cNvPr id="56" name="Graphic 55" descr="Flashlight outline">
               <a:extLst>
                 <a:ext uri="{FF2B5EF4-FFF2-40B4-BE49-F238E27FC236}">
-                  <a16:creationId xmlns:a16="http://schemas.microsoft.com/office/drawing/2014/main" id="{D843EBF7-BB5A-7FE9-D658-BC43F2B81237}"/>
+                  <a16:creationId xmlns:a16="http://schemas.microsoft.com/office/drawing/2014/main" id="{0A6F56D9-D34C-6F32-CAA0-6A8C7AF6E47B}"/>
                 </a:ext>
               </a:extLst>
             </p:cNvPr>
@@ -3590,7 +4038,7 @@
             <p:cNvPr id="57" name="Graphic 56" descr="Normal Distribution outline">
               <a:extLst>
                 <a:ext uri="{FF2B5EF4-FFF2-40B4-BE49-F238E27FC236}">
-                  <a16:creationId xmlns:a16="http://schemas.microsoft.com/office/drawing/2014/main" id="{6395A60C-F3E5-E3E6-3940-5B82FBA45203}"/>
+                  <a16:creationId xmlns:a16="http://schemas.microsoft.com/office/drawing/2014/main" id="{1F47ECB8-DF0C-EB43-E044-3A24B2923A54}"/>
                 </a:ext>
               </a:extLst>
             </p:cNvPr>
@@ -3627,7 +4075,7 @@
             <p:cNvPr id="58" name="Graphic 57" descr="Normal Distribution outline">
               <a:extLst>
                 <a:ext uri="{FF2B5EF4-FFF2-40B4-BE49-F238E27FC236}">
-                  <a16:creationId xmlns:a16="http://schemas.microsoft.com/office/drawing/2014/main" id="{488D344A-9CF4-9AC4-95D9-186BCE3A2BB2}"/>
+                  <a16:creationId xmlns:a16="http://schemas.microsoft.com/office/drawing/2014/main" id="{B7CCBE32-D187-AEE6-05CF-BD754BBAB94C}"/>
                 </a:ext>
               </a:extLst>
             </p:cNvPr>
@@ -3664,7 +4112,7 @@
             <p:cNvPr id="59" name="Graphic 58" descr="Normal Distribution outline">
               <a:extLst>
                 <a:ext uri="{FF2B5EF4-FFF2-40B4-BE49-F238E27FC236}">
-                  <a16:creationId xmlns:a16="http://schemas.microsoft.com/office/drawing/2014/main" id="{6175905B-5B19-660D-BE3D-76DAF29DB0CC}"/>
+                  <a16:creationId xmlns:a16="http://schemas.microsoft.com/office/drawing/2014/main" id="{90D9142C-3E05-9DD8-6A17-159A8D76C3BC}"/>
                 </a:ext>
               </a:extLst>
             </p:cNvPr>
@@ -3701,7 +4149,7 @@
             <p:cNvPr id="60" name="Graphic 59" descr="Eye with solid fill">
               <a:extLst>
                 <a:ext uri="{FF2B5EF4-FFF2-40B4-BE49-F238E27FC236}">
-                  <a16:creationId xmlns:a16="http://schemas.microsoft.com/office/drawing/2014/main" id="{535057CB-52C5-B46B-358C-C960A9D02EEA}"/>
+                  <a16:creationId xmlns:a16="http://schemas.microsoft.com/office/drawing/2014/main" id="{DE9E040D-1899-C155-3415-12E1412393C3}"/>
                 </a:ext>
               </a:extLst>
             </p:cNvPr>
@@ -3737,7 +4185,7 @@
             <p:cNvPr id="61" name="Graphic 60" descr="Eye with solid fill">
               <a:extLst>
                 <a:ext uri="{FF2B5EF4-FFF2-40B4-BE49-F238E27FC236}">
-                  <a16:creationId xmlns:a16="http://schemas.microsoft.com/office/drawing/2014/main" id="{BDEA0ACA-8788-0B01-4C18-3DDDFDB62A43}"/>
+                  <a16:creationId xmlns:a16="http://schemas.microsoft.com/office/drawing/2014/main" id="{16237CAE-9E63-206C-BAA2-8A75512A520D}"/>
                 </a:ext>
               </a:extLst>
             </p:cNvPr>
@@ -3773,7 +4221,7 @@
             <p:cNvPr id="62" name="Graphic 61" descr="Eye with solid fill">
               <a:extLst>
                 <a:ext uri="{FF2B5EF4-FFF2-40B4-BE49-F238E27FC236}">
-                  <a16:creationId xmlns:a16="http://schemas.microsoft.com/office/drawing/2014/main" id="{C111ED45-423B-2635-F328-218B7905A55F}"/>
+                  <a16:creationId xmlns:a16="http://schemas.microsoft.com/office/drawing/2014/main" id="{682A65D2-CB51-B673-4FE6-92774DD437DA}"/>
                 </a:ext>
               </a:extLst>
             </p:cNvPr>
@@ -3809,7 +4257,7 @@
             <p:cNvPr id="63" name="TextBox 62">
               <a:extLst>
                 <a:ext uri="{FF2B5EF4-FFF2-40B4-BE49-F238E27FC236}">
-                  <a16:creationId xmlns:a16="http://schemas.microsoft.com/office/drawing/2014/main" id="{17A6D3D2-EB6D-C87F-F939-0FD19AFBA2E1}"/>
+                  <a16:creationId xmlns:a16="http://schemas.microsoft.com/office/drawing/2014/main" id="{BEE44035-6989-59A9-BB98-D79F81C26738}"/>
                 </a:ext>
               </a:extLst>
             </p:cNvPr>
@@ -3844,7 +4292,7 @@
             <p:cNvPr id="64" name="TextBox 63">
               <a:extLst>
                 <a:ext uri="{FF2B5EF4-FFF2-40B4-BE49-F238E27FC236}">
-                  <a16:creationId xmlns:a16="http://schemas.microsoft.com/office/drawing/2014/main" id="{4B6A5EB4-81F4-3AEE-1D11-61215C974A07}"/>
+                  <a16:creationId xmlns:a16="http://schemas.microsoft.com/office/drawing/2014/main" id="{F8EE9DC8-45F1-8A43-AB26-932EC6084563}"/>
                 </a:ext>
               </a:extLst>
             </p:cNvPr>
@@ -3879,7 +4327,7 @@
             <p:cNvPr id="65" name="TextBox 64">
               <a:extLst>
                 <a:ext uri="{FF2B5EF4-FFF2-40B4-BE49-F238E27FC236}">
-                  <a16:creationId xmlns:a16="http://schemas.microsoft.com/office/drawing/2014/main" id="{D8172733-4042-6E5E-65B6-86A866929A5A}"/>
+                  <a16:creationId xmlns:a16="http://schemas.microsoft.com/office/drawing/2014/main" id="{5CA96744-42C3-A7AC-B300-B09B3D43CD44}"/>
                 </a:ext>
               </a:extLst>
             </p:cNvPr>
@@ -3914,7 +4362,7 @@
             <p:cNvPr id="66" name="TextBox 65">
               <a:extLst>
                 <a:ext uri="{FF2B5EF4-FFF2-40B4-BE49-F238E27FC236}">
-                  <a16:creationId xmlns:a16="http://schemas.microsoft.com/office/drawing/2014/main" id="{C81864D6-7E66-FD69-8CF0-F2A1AEEF6325}"/>
+                  <a16:creationId xmlns:a16="http://schemas.microsoft.com/office/drawing/2014/main" id="{2BFCB132-A5BA-24AE-C4F8-FDC5524895D5}"/>
                 </a:ext>
               </a:extLst>
             </p:cNvPr>
@@ -3949,7 +4397,7 @@
             <p:cNvPr id="67" name="TextBox 66">
               <a:extLst>
                 <a:ext uri="{FF2B5EF4-FFF2-40B4-BE49-F238E27FC236}">
-                  <a16:creationId xmlns:a16="http://schemas.microsoft.com/office/drawing/2014/main" id="{4493385F-72FC-07FD-98D8-D6AD1C8125A0}"/>
+                  <a16:creationId xmlns:a16="http://schemas.microsoft.com/office/drawing/2014/main" id="{06E6EDA0-91EB-E4DF-9971-5713D6C2F2CD}"/>
                 </a:ext>
               </a:extLst>
             </p:cNvPr>
@@ -3984,7 +4432,7 @@
             <p:cNvPr id="68" name="TextBox 67">
               <a:extLst>
                 <a:ext uri="{FF2B5EF4-FFF2-40B4-BE49-F238E27FC236}">
-                  <a16:creationId xmlns:a16="http://schemas.microsoft.com/office/drawing/2014/main" id="{052B58AD-2C8D-87C7-E427-E8C3602F2673}"/>
+                  <a16:creationId xmlns:a16="http://schemas.microsoft.com/office/drawing/2014/main" id="{5EDE4C9F-C7FD-3E21-9FC4-EACA2F3CFD84}"/>
                 </a:ext>
               </a:extLst>
             </p:cNvPr>
@@ -4020,7 +4468,7 @@
           <p:cNvPr id="86" name="Group 85">
             <a:extLst>
               <a:ext uri="{FF2B5EF4-FFF2-40B4-BE49-F238E27FC236}">
-                <a16:creationId xmlns:a16="http://schemas.microsoft.com/office/drawing/2014/main" id="{05DDE740-E490-2763-B127-F0D5F41A21F6}"/>
+                <a16:creationId xmlns:a16="http://schemas.microsoft.com/office/drawing/2014/main" id="{CEA8F296-BA2C-2828-2C4D-89B08AD30A8F}"/>
               </a:ext>
             </a:extLst>
           </p:cNvPr>
@@ -4040,7 +4488,7 @@
             <p:cNvPr id="6" name="Rectangle 5">
               <a:extLst>
                 <a:ext uri="{FF2B5EF4-FFF2-40B4-BE49-F238E27FC236}">
-                  <a16:creationId xmlns:a16="http://schemas.microsoft.com/office/drawing/2014/main" id="{1963FADF-34F3-281C-4475-C689C80ABC87}"/>
+                  <a16:creationId xmlns:a16="http://schemas.microsoft.com/office/drawing/2014/main" id="{649686DE-9B88-6812-CAE9-A5C571F836B9}"/>
                 </a:ext>
               </a:extLst>
             </p:cNvPr>
@@ -4092,7 +4540,7 @@
             <p:cNvPr id="7" name="Rectangle 6">
               <a:extLst>
                 <a:ext uri="{FF2B5EF4-FFF2-40B4-BE49-F238E27FC236}">
-                  <a16:creationId xmlns:a16="http://schemas.microsoft.com/office/drawing/2014/main" id="{6493B70C-861C-44FD-FAA0-043E61048643}"/>
+                  <a16:creationId xmlns:a16="http://schemas.microsoft.com/office/drawing/2014/main" id="{F851D3B7-D76E-9B75-82DC-10BE6230A282}"/>
                 </a:ext>
               </a:extLst>
             </p:cNvPr>
@@ -4144,7 +4592,7 @@
             <p:cNvPr id="24" name="TextBox 23">
               <a:extLst>
                 <a:ext uri="{FF2B5EF4-FFF2-40B4-BE49-F238E27FC236}">
-                  <a16:creationId xmlns:a16="http://schemas.microsoft.com/office/drawing/2014/main" id="{0B82F14A-FDA5-A813-36A3-CEAA9F30CFDB}"/>
+                  <a16:creationId xmlns:a16="http://schemas.microsoft.com/office/drawing/2014/main" id="{8E74F926-AEB0-CB45-C34C-2A14A44ED625}"/>
                 </a:ext>
               </a:extLst>
             </p:cNvPr>
@@ -4192,7 +4640,7 @@
             <p:cNvPr id="25" name="TextBox 24">
               <a:extLst>
                 <a:ext uri="{FF2B5EF4-FFF2-40B4-BE49-F238E27FC236}">
-                  <a16:creationId xmlns:a16="http://schemas.microsoft.com/office/drawing/2014/main" id="{6AA21C72-3AC7-6DD0-63AB-8C493A67CEB6}"/>
+                  <a16:creationId xmlns:a16="http://schemas.microsoft.com/office/drawing/2014/main" id="{D4A403C4-E1B6-7B27-49A0-0E470B9A6764}"/>
                 </a:ext>
               </a:extLst>
             </p:cNvPr>
@@ -4240,7 +4688,7 @@
             <p:cNvPr id="26" name="TextBox 25">
               <a:extLst>
                 <a:ext uri="{FF2B5EF4-FFF2-40B4-BE49-F238E27FC236}">
-                  <a16:creationId xmlns:a16="http://schemas.microsoft.com/office/drawing/2014/main" id="{8DD02333-8504-BE3B-2F45-3110635539B6}"/>
+                  <a16:creationId xmlns:a16="http://schemas.microsoft.com/office/drawing/2014/main" id="{63CF1763-F1A9-D83F-4DCE-D1A16BDE7DE9}"/>
                 </a:ext>
               </a:extLst>
             </p:cNvPr>
@@ -4288,7 +4736,7 @@
             <p:cNvPr id="27" name="TextBox 26">
               <a:extLst>
                 <a:ext uri="{FF2B5EF4-FFF2-40B4-BE49-F238E27FC236}">
-                  <a16:creationId xmlns:a16="http://schemas.microsoft.com/office/drawing/2014/main" id="{048D8079-2044-83C0-B50B-579FE89EE15B}"/>
+                  <a16:creationId xmlns:a16="http://schemas.microsoft.com/office/drawing/2014/main" id="{555AA57E-229C-67C4-A44C-CF5FE988DE9E}"/>
                 </a:ext>
               </a:extLst>
             </p:cNvPr>
@@ -4336,7 +4784,7 @@
             <p:cNvPr id="28" name="TextBox 27">
               <a:extLst>
                 <a:ext uri="{FF2B5EF4-FFF2-40B4-BE49-F238E27FC236}">
-                  <a16:creationId xmlns:a16="http://schemas.microsoft.com/office/drawing/2014/main" id="{B75D505E-0B3A-8DED-39FA-C9EA37622572}"/>
+                  <a16:creationId xmlns:a16="http://schemas.microsoft.com/office/drawing/2014/main" id="{28803BFF-D706-FEDF-6A3B-C4D1E4F94AF5}"/>
                 </a:ext>
               </a:extLst>
             </p:cNvPr>
@@ -4384,7 +4832,7 @@
             <p:cNvPr id="29" name="TextBox 28">
               <a:extLst>
                 <a:ext uri="{FF2B5EF4-FFF2-40B4-BE49-F238E27FC236}">
-                  <a16:creationId xmlns:a16="http://schemas.microsoft.com/office/drawing/2014/main" id="{ACD1FAD0-2B0E-E981-F351-F872C404CEA1}"/>
+                  <a16:creationId xmlns:a16="http://schemas.microsoft.com/office/drawing/2014/main" id="{C7CABE3E-E462-C660-0A67-7A34E2CACA42}"/>
                 </a:ext>
               </a:extLst>
             </p:cNvPr>
@@ -4432,7 +4880,7 @@
             <p:cNvPr id="70" name="Straight Arrow Connector 69">
               <a:extLst>
                 <a:ext uri="{FF2B5EF4-FFF2-40B4-BE49-F238E27FC236}">
-                  <a16:creationId xmlns:a16="http://schemas.microsoft.com/office/drawing/2014/main" id="{00060097-57A1-7ADB-26FF-74AAC175B444}"/>
+                  <a16:creationId xmlns:a16="http://schemas.microsoft.com/office/drawing/2014/main" id="{735FF4D0-04EA-A88D-118C-FC13BD02CBD3}"/>
                 </a:ext>
               </a:extLst>
             </p:cNvPr>
@@ -4473,7 +4921,7 @@
             <p:cNvPr id="75" name="Straight Arrow Connector 74">
               <a:extLst>
                 <a:ext uri="{FF2B5EF4-FFF2-40B4-BE49-F238E27FC236}">
-                  <a16:creationId xmlns:a16="http://schemas.microsoft.com/office/drawing/2014/main" id="{B92B3D4C-66AF-9489-C797-C21910F870EA}"/>
+                  <a16:creationId xmlns:a16="http://schemas.microsoft.com/office/drawing/2014/main" id="{638E3A6F-790C-AAA2-6736-029FBB0C4FB1}"/>
                 </a:ext>
               </a:extLst>
             </p:cNvPr>
@@ -4514,7 +4962,7 @@
             <p:cNvPr id="81" name="Group 80">
               <a:extLst>
                 <a:ext uri="{FF2B5EF4-FFF2-40B4-BE49-F238E27FC236}">
-                  <a16:creationId xmlns:a16="http://schemas.microsoft.com/office/drawing/2014/main" id="{6255EA39-71D5-E499-77DE-121F809FB954}"/>
+                  <a16:creationId xmlns:a16="http://schemas.microsoft.com/office/drawing/2014/main" id="{04246876-D5E3-B596-31A3-B29FF94251E6}"/>
                 </a:ext>
               </a:extLst>
             </p:cNvPr>
@@ -4534,7 +4982,7 @@
               <p:cNvPr id="71" name="Straight Arrow Connector 70">
                 <a:extLst>
                   <a:ext uri="{FF2B5EF4-FFF2-40B4-BE49-F238E27FC236}">
-                    <a16:creationId xmlns:a16="http://schemas.microsoft.com/office/drawing/2014/main" id="{1297B0B6-4F41-54DA-EDBE-8E4D32CF20E7}"/>
+                    <a16:creationId xmlns:a16="http://schemas.microsoft.com/office/drawing/2014/main" id="{FA5AFAC7-6357-1F3F-0EC6-C396462D1EBE}"/>
                   </a:ext>
                 </a:extLst>
               </p:cNvPr>
@@ -4576,7 +5024,7 @@
               <p:cNvPr id="77" name="Straight Arrow Connector 76">
                 <a:extLst>
                   <a:ext uri="{FF2B5EF4-FFF2-40B4-BE49-F238E27FC236}">
-                    <a16:creationId xmlns:a16="http://schemas.microsoft.com/office/drawing/2014/main" id="{421A3A97-A618-A912-7D86-B170DF9E594A}"/>
+                    <a16:creationId xmlns:a16="http://schemas.microsoft.com/office/drawing/2014/main" id="{D1E7E9AA-77DE-82AE-8055-2E763603015F}"/>
                   </a:ext>
                 </a:extLst>
               </p:cNvPr>
@@ -4617,7 +5065,7 @@
               <p:cNvPr id="79" name="Straight Arrow Connector 78">
                 <a:extLst>
                   <a:ext uri="{FF2B5EF4-FFF2-40B4-BE49-F238E27FC236}">
-                    <a16:creationId xmlns:a16="http://schemas.microsoft.com/office/drawing/2014/main" id="{91B848F9-FA36-8BDB-2FEC-FEDEE8151A96}"/>
+                    <a16:creationId xmlns:a16="http://schemas.microsoft.com/office/drawing/2014/main" id="{2D338E16-67F1-18E6-319A-95709A7178BF}"/>
                   </a:ext>
                 </a:extLst>
               </p:cNvPr>
@@ -4659,7 +5107,7 @@
             <p:cNvPr id="82" name="Group 81">
               <a:extLst>
                 <a:ext uri="{FF2B5EF4-FFF2-40B4-BE49-F238E27FC236}">
-                  <a16:creationId xmlns:a16="http://schemas.microsoft.com/office/drawing/2014/main" id="{DCDAAE54-DF58-574E-33A3-C8457DE3105B}"/>
+                  <a16:creationId xmlns:a16="http://schemas.microsoft.com/office/drawing/2014/main" id="{4C025BC0-2811-3273-CD49-75B0C8702EA2}"/>
                 </a:ext>
               </a:extLst>
             </p:cNvPr>
@@ -4679,7 +5127,7 @@
               <p:cNvPr id="83" name="Straight Arrow Connector 82">
                 <a:extLst>
                   <a:ext uri="{FF2B5EF4-FFF2-40B4-BE49-F238E27FC236}">
-                    <a16:creationId xmlns:a16="http://schemas.microsoft.com/office/drawing/2014/main" id="{CDFCF51A-A255-56A3-A769-A1B12B7D0DE8}"/>
+                    <a16:creationId xmlns:a16="http://schemas.microsoft.com/office/drawing/2014/main" id="{0A4F5075-39D1-5065-2926-93366224F264}"/>
                   </a:ext>
                 </a:extLst>
               </p:cNvPr>
@@ -4720,7 +5168,7 @@
               <p:cNvPr id="84" name="Straight Arrow Connector 83">
                 <a:extLst>
                   <a:ext uri="{FF2B5EF4-FFF2-40B4-BE49-F238E27FC236}">
-                    <a16:creationId xmlns:a16="http://schemas.microsoft.com/office/drawing/2014/main" id="{80B812CD-DAFC-9B2C-5CA3-27282BBF793A}"/>
+                    <a16:creationId xmlns:a16="http://schemas.microsoft.com/office/drawing/2014/main" id="{68D007CE-0C32-A1A9-8175-5A691FBC9662}"/>
                   </a:ext>
                 </a:extLst>
               </p:cNvPr>
@@ -4761,7 +5209,7 @@
               <p:cNvPr id="85" name="Straight Arrow Connector 84">
                 <a:extLst>
                   <a:ext uri="{FF2B5EF4-FFF2-40B4-BE49-F238E27FC236}">
-                    <a16:creationId xmlns:a16="http://schemas.microsoft.com/office/drawing/2014/main" id="{AB737E55-E581-7F86-2E10-7CCDEA9CCF48}"/>
+                    <a16:creationId xmlns:a16="http://schemas.microsoft.com/office/drawing/2014/main" id="{59643340-BDCC-E4B5-08CE-1AD9893BD711}"/>
                   </a:ext>
                 </a:extLst>
               </p:cNvPr>
@@ -4804,7 +5252,7 @@
           <p:cNvPr id="88" name="Oval Callout 87">
             <a:extLst>
               <a:ext uri="{FF2B5EF4-FFF2-40B4-BE49-F238E27FC236}">
-                <a16:creationId xmlns:a16="http://schemas.microsoft.com/office/drawing/2014/main" id="{9BEFFCDA-9CD7-DA8C-B8F9-EC4A99DC7354}"/>
+                <a16:creationId xmlns:a16="http://schemas.microsoft.com/office/drawing/2014/main" id="{61EA09CC-67E8-4B6E-EB59-FCB31330FAE8}"/>
               </a:ext>
             </a:extLst>
           </p:cNvPr>
@@ -4875,7 +5323,7 @@
           <p:cNvPr id="89" name="Oval Callout 88">
             <a:extLst>
               <a:ext uri="{FF2B5EF4-FFF2-40B4-BE49-F238E27FC236}">
-                <a16:creationId xmlns:a16="http://schemas.microsoft.com/office/drawing/2014/main" id="{6B342EC1-A423-9847-B663-A21F340E119E}"/>
+                <a16:creationId xmlns:a16="http://schemas.microsoft.com/office/drawing/2014/main" id="{2508F003-9B44-6E01-0B60-204FAA2E847C}"/>
               </a:ext>
             </a:extLst>
           </p:cNvPr>
@@ -4946,7 +5394,7 @@
           <p:cNvPr id="90" name="TextBox 89">
             <a:extLst>
               <a:ext uri="{FF2B5EF4-FFF2-40B4-BE49-F238E27FC236}">
-                <a16:creationId xmlns:a16="http://schemas.microsoft.com/office/drawing/2014/main" id="{5EE49922-70AC-D18A-8222-575E61FBC514}"/>
+                <a16:creationId xmlns:a16="http://schemas.microsoft.com/office/drawing/2014/main" id="{D49A0745-EEBB-17EB-C665-5A0C79318C67}"/>
               </a:ext>
             </a:extLst>
           </p:cNvPr>
@@ -4985,7 +5433,7 @@
           <p:cNvPr id="91" name="TextBox 90">
             <a:extLst>
               <a:ext uri="{FF2B5EF4-FFF2-40B4-BE49-F238E27FC236}">
-                <a16:creationId xmlns:a16="http://schemas.microsoft.com/office/drawing/2014/main" id="{92C69379-66D9-F255-91D6-EE49A9C45AEE}"/>
+                <a16:creationId xmlns:a16="http://schemas.microsoft.com/office/drawing/2014/main" id="{D37389BA-258E-3F98-D8C2-C20048617EEE}"/>
               </a:ext>
             </a:extLst>
           </p:cNvPr>
@@ -5014,7 +5462,7 @@
                 <a:latin typeface="Cambria Math" panose="02040503050406030204" pitchFamily="18" charset="0"/>
                 <a:ea typeface="Cambria Math" panose="02040503050406030204" pitchFamily="18" charset="0"/>
               </a:rPr>
-              <a:t>0.2</a:t>
+              <a:t>0.1</a:t>
             </a:r>
           </a:p>
         </p:txBody>
@@ -5024,7 +5472,7 @@
           <p:cNvPr id="92" name="TextBox 91">
             <a:extLst>
               <a:ext uri="{FF2B5EF4-FFF2-40B4-BE49-F238E27FC236}">
-                <a16:creationId xmlns:a16="http://schemas.microsoft.com/office/drawing/2014/main" id="{5B193C34-100B-4014-0F9E-0DC00B9441F0}"/>
+                <a16:creationId xmlns:a16="http://schemas.microsoft.com/office/drawing/2014/main" id="{E2096AC0-7B48-A20B-CE2A-0B2903D53299}"/>
               </a:ext>
             </a:extLst>
           </p:cNvPr>
@@ -5063,7 +5511,7 @@
           <p:cNvPr id="93" name="TextBox 92">
             <a:extLst>
               <a:ext uri="{FF2B5EF4-FFF2-40B4-BE49-F238E27FC236}">
-                <a16:creationId xmlns:a16="http://schemas.microsoft.com/office/drawing/2014/main" id="{B8A6FB12-EDF9-5D60-270C-1D58E92FFE5D}"/>
+                <a16:creationId xmlns:a16="http://schemas.microsoft.com/office/drawing/2014/main" id="{8CB12913-86BC-A540-F7F9-DFA87E2A6399}"/>
               </a:ext>
             </a:extLst>
           </p:cNvPr>
@@ -5102,7 +5550,7 @@
           <p:cNvPr id="94" name="TextBox 93">
             <a:extLst>
               <a:ext uri="{FF2B5EF4-FFF2-40B4-BE49-F238E27FC236}">
-                <a16:creationId xmlns:a16="http://schemas.microsoft.com/office/drawing/2014/main" id="{2A301A42-F558-6571-969C-657116CF4416}"/>
+                <a16:creationId xmlns:a16="http://schemas.microsoft.com/office/drawing/2014/main" id="{4BDF78E5-2965-9A8F-9105-8EA9F9A18775}"/>
               </a:ext>
             </a:extLst>
           </p:cNvPr>
@@ -5141,7 +5589,7 @@
           <p:cNvPr id="96" name="Straight Connector 95">
             <a:extLst>
               <a:ext uri="{FF2B5EF4-FFF2-40B4-BE49-F238E27FC236}">
-                <a16:creationId xmlns:a16="http://schemas.microsoft.com/office/drawing/2014/main" id="{F0FF026A-090E-7DFA-966E-E769693962E3}"/>
+                <a16:creationId xmlns:a16="http://schemas.microsoft.com/office/drawing/2014/main" id="{59B8DCF7-3DFB-6EFA-857C-50DEADD4C1CB}"/>
               </a:ext>
             </a:extLst>
           </p:cNvPr>
@@ -5178,7 +5626,7 @@
           <p:cNvPr id="97" name="Straight Connector 96">
             <a:extLst>
               <a:ext uri="{FF2B5EF4-FFF2-40B4-BE49-F238E27FC236}">
-                <a16:creationId xmlns:a16="http://schemas.microsoft.com/office/drawing/2014/main" id="{237AA8BF-81D3-A5BD-7C7F-15CE04B23BEF}"/>
+                <a16:creationId xmlns:a16="http://schemas.microsoft.com/office/drawing/2014/main" id="{94ADF552-6567-C53F-922E-6C6F09602580}"/>
               </a:ext>
             </a:extLst>
           </p:cNvPr>
@@ -5217,7 +5665,7 @@
           <p:cNvPr id="101" name="Straight Connector 100">
             <a:extLst>
               <a:ext uri="{FF2B5EF4-FFF2-40B4-BE49-F238E27FC236}">
-                <a16:creationId xmlns:a16="http://schemas.microsoft.com/office/drawing/2014/main" id="{F7AF73D7-F7DE-7A4D-7B27-70A7D7ECDDAA}"/>
+                <a16:creationId xmlns:a16="http://schemas.microsoft.com/office/drawing/2014/main" id="{85F12DD3-7E77-FCAF-4299-E6E80659F806}"/>
               </a:ext>
             </a:extLst>
           </p:cNvPr>
@@ -5256,7 +5704,7 @@
           <p:cNvPr id="102" name="TextBox 101">
             <a:extLst>
               <a:ext uri="{FF2B5EF4-FFF2-40B4-BE49-F238E27FC236}">
-                <a16:creationId xmlns:a16="http://schemas.microsoft.com/office/drawing/2014/main" id="{622D3DA6-BEAE-F37B-ABD4-9A6F4F3847D0}"/>
+                <a16:creationId xmlns:a16="http://schemas.microsoft.com/office/drawing/2014/main" id="{FA1DC79E-6980-0FAB-BEC2-6E481F9FCB82}"/>
               </a:ext>
             </a:extLst>
           </p:cNvPr>
@@ -5311,7 +5759,7 @@
           <p:cNvPr id="103" name="TextBox 102">
             <a:extLst>
               <a:ext uri="{FF2B5EF4-FFF2-40B4-BE49-F238E27FC236}">
-                <a16:creationId xmlns:a16="http://schemas.microsoft.com/office/drawing/2014/main" id="{232F4751-5E17-A843-BAB0-7AB98C65F2FD}"/>
+                <a16:creationId xmlns:a16="http://schemas.microsoft.com/office/drawing/2014/main" id="{B7673324-A47E-C767-3C62-BE72BC655C93}"/>
               </a:ext>
             </a:extLst>
           </p:cNvPr>
@@ -5357,6 +5805,1978 @@
             <a:r>
               <a:rPr lang="en-US" dirty="0"/>
               <a:t>A simplified view of the paths that particles can take from the start (s) to a detector (c, d, or e).</a:t>
+            </a:r>
+          </a:p>
+        </p:txBody>
+      </p:sp>
+      <p:sp>
+        <p:nvSpPr>
+          <p:cNvPr id="2" name="Triangle 1">
+            <a:extLst>
+              <a:ext uri="{FF2B5EF4-FFF2-40B4-BE49-F238E27FC236}">
+                <a16:creationId xmlns:a16="http://schemas.microsoft.com/office/drawing/2014/main" id="{71E27C64-ED80-D94B-DE78-8419A18BE62E}"/>
+              </a:ext>
+            </a:extLst>
+          </p:cNvPr>
+          <p:cNvSpPr/>
+          <p:nvPr/>
+        </p:nvSpPr>
+        <p:spPr>
+          <a:xfrm rot="16200000">
+            <a:off x="893527" y="1441348"/>
+            <a:ext cx="2067039" cy="1417752"/>
+          </a:xfrm>
+          <a:prstGeom prst="triangle">
+            <a:avLst/>
+          </a:prstGeom>
+          <a:solidFill>
+            <a:srgbClr val="FFFF00">
+              <a:alpha val="11775"/>
+            </a:srgbClr>
+          </a:solidFill>
+          <a:ln>
+            <a:noFill/>
+          </a:ln>
+        </p:spPr>
+        <p:style>
+          <a:lnRef idx="2">
+            <a:schemeClr val="accent1">
+              <a:shade val="15000"/>
+            </a:schemeClr>
+          </a:lnRef>
+          <a:fillRef idx="1">
+            <a:schemeClr val="accent1"/>
+          </a:fillRef>
+          <a:effectRef idx="0">
+            <a:schemeClr val="accent1"/>
+          </a:effectRef>
+          <a:fontRef idx="minor">
+            <a:schemeClr val="lt1"/>
+          </a:fontRef>
+        </p:style>
+        <p:txBody>
+          <a:bodyPr rtlCol="0" anchor="ctr"/>
+          <a:lstStyle/>
+          <a:p>
+            <a:pPr algn="ctr"/>
+            <a:endParaRPr lang="en-US"/>
+          </a:p>
+        </p:txBody>
+      </p:sp>
+      <p:sp>
+        <p:nvSpPr>
+          <p:cNvPr id="4" name="Triangle 3">
+            <a:extLst>
+              <a:ext uri="{FF2B5EF4-FFF2-40B4-BE49-F238E27FC236}">
+                <a16:creationId xmlns:a16="http://schemas.microsoft.com/office/drawing/2014/main" id="{9294DAF0-64EE-EA30-4535-6641ADDC6AB5}"/>
+              </a:ext>
+            </a:extLst>
+          </p:cNvPr>
+          <p:cNvSpPr/>
+          <p:nvPr/>
+        </p:nvSpPr>
+        <p:spPr>
+          <a:xfrm rot="16200000">
+            <a:off x="2914500" y="785420"/>
+            <a:ext cx="2067039" cy="1417752"/>
+          </a:xfrm>
+          <a:prstGeom prst="triangle">
+            <a:avLst/>
+          </a:prstGeom>
+          <a:solidFill>
+            <a:srgbClr val="FFFF00">
+              <a:alpha val="11775"/>
+            </a:srgbClr>
+          </a:solidFill>
+          <a:ln>
+            <a:noFill/>
+          </a:ln>
+        </p:spPr>
+        <p:style>
+          <a:lnRef idx="2">
+            <a:schemeClr val="accent1">
+              <a:shade val="15000"/>
+            </a:schemeClr>
+          </a:lnRef>
+          <a:fillRef idx="1">
+            <a:schemeClr val="accent1"/>
+          </a:fillRef>
+          <a:effectRef idx="0">
+            <a:schemeClr val="accent1"/>
+          </a:effectRef>
+          <a:fontRef idx="minor">
+            <a:schemeClr val="lt1"/>
+          </a:fontRef>
+        </p:style>
+        <p:txBody>
+          <a:bodyPr rtlCol="0" anchor="ctr"/>
+          <a:lstStyle/>
+          <a:p>
+            <a:pPr algn="ctr"/>
+            <a:endParaRPr lang="en-US"/>
+          </a:p>
+        </p:txBody>
+      </p:sp>
+      <p:sp>
+        <p:nvSpPr>
+          <p:cNvPr id="5" name="Triangle 4">
+            <a:extLst>
+              <a:ext uri="{FF2B5EF4-FFF2-40B4-BE49-F238E27FC236}">
+                <a16:creationId xmlns:a16="http://schemas.microsoft.com/office/drawing/2014/main" id="{779731F1-937B-0A0E-92FE-403ADE6B0028}"/>
+              </a:ext>
+            </a:extLst>
+          </p:cNvPr>
+          <p:cNvSpPr/>
+          <p:nvPr/>
+        </p:nvSpPr>
+        <p:spPr>
+          <a:xfrm rot="16200000">
+            <a:off x="2842217" y="1908676"/>
+            <a:ext cx="2067039" cy="1417752"/>
+          </a:xfrm>
+          <a:prstGeom prst="triangle">
+            <a:avLst/>
+          </a:prstGeom>
+          <a:solidFill>
+            <a:srgbClr val="FFFF00">
+              <a:alpha val="11775"/>
+            </a:srgbClr>
+          </a:solidFill>
+          <a:ln>
+            <a:noFill/>
+          </a:ln>
+        </p:spPr>
+        <p:style>
+          <a:lnRef idx="2">
+            <a:schemeClr val="accent1">
+              <a:shade val="15000"/>
+            </a:schemeClr>
+          </a:lnRef>
+          <a:fillRef idx="1">
+            <a:schemeClr val="accent1"/>
+          </a:fillRef>
+          <a:effectRef idx="0">
+            <a:schemeClr val="accent1"/>
+          </a:effectRef>
+          <a:fontRef idx="minor">
+            <a:schemeClr val="lt1"/>
+          </a:fontRef>
+        </p:style>
+        <p:txBody>
+          <a:bodyPr rtlCol="0" anchor="ctr"/>
+          <a:lstStyle/>
+          <a:p>
+            <a:pPr algn="ctr"/>
+            <a:endParaRPr lang="en-US"/>
+          </a:p>
+        </p:txBody>
+      </p:sp>
+    </p:spTree>
+    <p:extLst>
+      <p:ext uri="{BB962C8B-B14F-4D97-AF65-F5344CB8AC3E}">
+        <p14:creationId xmlns:p14="http://schemas.microsoft.com/office/powerpoint/2010/main" val="534469668"/>
+      </p:ext>
+    </p:extLst>
+  </p:cSld>
+  <p:clrMapOvr>
+    <a:masterClrMapping/>
+  </p:clrMapOvr>
+</p:sld>
+</file>
+
+<file path=ppt/slides/slide2.xml><?xml version="1.0" encoding="utf-8"?>
+<p:sld xmlns:a="http://schemas.openxmlformats.org/drawingml/2006/main" xmlns:r="http://schemas.openxmlformats.org/officeDocument/2006/relationships" xmlns:p="http://schemas.openxmlformats.org/presentationml/2006/main">
+  <p:cSld>
+    <p:spTree>
+      <p:nvGrpSpPr>
+        <p:cNvPr id="1" name=""/>
+        <p:cNvGrpSpPr/>
+        <p:nvPr/>
+      </p:nvGrpSpPr>
+      <p:grpSpPr>
+        <a:xfrm>
+          <a:off x="0" y="0"/>
+          <a:ext cx="0" cy="0"/>
+          <a:chOff x="0" y="0"/>
+          <a:chExt cx="0" cy="0"/>
+        </a:xfrm>
+      </p:grpSpPr>
+      <p:cxnSp>
+        <p:nvCxnSpPr>
+          <p:cNvPr id="101" name="Straight Connector 100">
+            <a:extLst>
+              <a:ext uri="{FF2B5EF4-FFF2-40B4-BE49-F238E27FC236}">
+                <a16:creationId xmlns:a16="http://schemas.microsoft.com/office/drawing/2014/main" id="{F7AF73D7-F7DE-7A4D-7B27-70A7D7ECDDAA}"/>
+              </a:ext>
+            </a:extLst>
+          </p:cNvPr>
+          <p:cNvCxnSpPr>
+            <a:cxnSpLocks/>
+          </p:cNvCxnSpPr>
+          <p:nvPr/>
+        </p:nvCxnSpPr>
+        <p:spPr>
+          <a:xfrm flipH="1">
+            <a:off x="486832" y="6626"/>
+            <a:ext cx="11218336" cy="0"/>
+          </a:xfrm>
+          <a:prstGeom prst="line">
+            <a:avLst/>
+          </a:prstGeom>
+          <a:ln w="38100"/>
+        </p:spPr>
+        <p:style>
+          <a:lnRef idx="2">
+            <a:schemeClr val="accent1"/>
+          </a:lnRef>
+          <a:fillRef idx="0">
+            <a:schemeClr val="accent1"/>
+          </a:fillRef>
+          <a:effectRef idx="1">
+            <a:schemeClr val="accent1"/>
+          </a:effectRef>
+          <a:fontRef idx="minor">
+            <a:schemeClr val="tx1"/>
+          </a:fontRef>
+        </p:style>
+      </p:cxnSp>
+      <p:graphicFrame>
+        <p:nvGraphicFramePr>
+          <p:cNvPr id="18" name="Table 17">
+            <a:extLst>
+              <a:ext uri="{FF2B5EF4-FFF2-40B4-BE49-F238E27FC236}">
+                <a16:creationId xmlns:a16="http://schemas.microsoft.com/office/drawing/2014/main" id="{6F369347-FE72-CABF-B5E2-B45D98077AC7}"/>
+              </a:ext>
+            </a:extLst>
+          </p:cNvPr>
+          <p:cNvGraphicFramePr>
+            <a:graphicFrameLocks noGrp="1"/>
+          </p:cNvGraphicFramePr>
+          <p:nvPr>
+            <p:extLst>
+              <p:ext uri="{D42A27DB-BD31-4B8C-83A1-F6EECF244321}">
+                <p14:modId xmlns:p14="http://schemas.microsoft.com/office/powerpoint/2010/main" val="1285600329"/>
+              </p:ext>
+            </p:extLst>
+          </p:nvPr>
+        </p:nvGraphicFramePr>
+        <p:xfrm>
+          <a:off x="622267" y="370730"/>
+          <a:ext cx="5151264" cy="1371600"/>
+        </p:xfrm>
+        <a:graphic>
+          <a:graphicData uri="http://schemas.openxmlformats.org/drawingml/2006/table">
+            <a:tbl>
+              <a:tblPr firstRow="1" bandRow="1">
+                <a:tableStyleId>{5C22544A-7EE6-4342-B048-85BDC9FD1C3A}</a:tableStyleId>
+              </a:tblPr>
+              <a:tblGrid>
+                <a:gridCol w="1717088">
+                  <a:extLst>
+                    <a:ext uri="{9D8B030D-6E8A-4147-A177-3AD203B41FA5}">
+                      <a16:colId xmlns:a16="http://schemas.microsoft.com/office/drawing/2014/main" val="9969200"/>
+                    </a:ext>
+                  </a:extLst>
+                </a:gridCol>
+                <a:gridCol w="1717088">
+                  <a:extLst>
+                    <a:ext uri="{9D8B030D-6E8A-4147-A177-3AD203B41FA5}">
+                      <a16:colId xmlns:a16="http://schemas.microsoft.com/office/drawing/2014/main" val="2363718372"/>
+                    </a:ext>
+                  </a:extLst>
+                </a:gridCol>
+                <a:gridCol w="1717088">
+                  <a:extLst>
+                    <a:ext uri="{9D8B030D-6E8A-4147-A177-3AD203B41FA5}">
+                      <a16:colId xmlns:a16="http://schemas.microsoft.com/office/drawing/2014/main" val="1819051342"/>
+                    </a:ext>
+                  </a:extLst>
+                </a:gridCol>
+              </a:tblGrid>
+              <a:tr h="318173">
+                <a:tc gridSpan="3">
+                  <a:txBody>
+                    <a:bodyPr/>
+                    <a:lstStyle/>
+                    <a:p>
+                      <a:pPr algn="ctr"/>
+                      <a:r>
+                        <a:rPr lang="en-US" dirty="0"/>
+                        <a:t>R: Raphael’s Shopping List</a:t>
+                      </a:r>
+                    </a:p>
+                  </a:txBody>
+                  <a:tcPr/>
+                </a:tc>
+                <a:tc hMerge="1">
+                  <a:txBody>
+                    <a:bodyPr/>
+                    <a:lstStyle/>
+                    <a:p>
+                      <a:endParaRPr lang="en-US"/>
+                    </a:p>
+                  </a:txBody>
+                  <a:tcPr/>
+                </a:tc>
+                <a:tc hMerge="1">
+                  <a:txBody>
+                    <a:bodyPr/>
+                    <a:lstStyle/>
+                    <a:p>
+                      <a:endParaRPr lang="en-US" dirty="0"/>
+                    </a:p>
+                  </a:txBody>
+                  <a:tcPr/>
+                </a:tc>
+                <a:extLst>
+                  <a:ext uri="{0D108BD9-81ED-4DB2-BD59-A6C34878D82A}">
+                    <a16:rowId xmlns:a16="http://schemas.microsoft.com/office/drawing/2014/main" val="3315482171"/>
+                  </a:ext>
+                </a:extLst>
+              </a:tr>
+              <a:tr h="318173">
+                <a:tc>
+                  <a:txBody>
+                    <a:bodyPr/>
+                    <a:lstStyle/>
+                    <a:p>
+                      <a:pPr algn="ctr"/>
+                      <a:r>
+                        <a:rPr lang="en-US" dirty="0"/>
+                        <a:t>(a) Apples</a:t>
+                      </a:r>
+                    </a:p>
+                  </a:txBody>
+                  <a:tcPr/>
+                </a:tc>
+                <a:tc>
+                  <a:txBody>
+                    <a:bodyPr/>
+                    <a:lstStyle/>
+                    <a:p>
+                      <a:pPr algn="ctr"/>
+                      <a:r>
+                        <a:rPr lang="en-US" dirty="0"/>
+                        <a:t>(b) Brown sugar (small bag)</a:t>
+                      </a:r>
+                    </a:p>
+                  </a:txBody>
+                  <a:tcPr/>
+                </a:tc>
+                <a:tc>
+                  <a:txBody>
+                    <a:bodyPr/>
+                    <a:lstStyle/>
+                    <a:p>
+                      <a:pPr algn="ctr"/>
+                      <a:r>
+                        <a:rPr lang="en-US" dirty="0"/>
+                        <a:t>(c) Choc chips (12 oz bag)</a:t>
+                      </a:r>
+                    </a:p>
+                  </a:txBody>
+                  <a:tcPr/>
+                </a:tc>
+                <a:extLst>
+                  <a:ext uri="{0D108BD9-81ED-4DB2-BD59-A6C34878D82A}">
+                    <a16:rowId xmlns:a16="http://schemas.microsoft.com/office/drawing/2014/main" val="2467173763"/>
+                  </a:ext>
+                </a:extLst>
+              </a:tr>
+              <a:tr h="318173">
+                <a:tc>
+                  <a:txBody>
+                    <a:bodyPr/>
+                    <a:lstStyle/>
+                    <a:p>
+                      <a:pPr algn="ctr"/>
+                      <a:r>
+                        <a:rPr lang="en-US" i="1" dirty="0"/>
+                        <a:t>6</a:t>
+                      </a:r>
+                    </a:p>
+                  </a:txBody>
+                  <a:tcPr/>
+                </a:tc>
+                <a:tc>
+                  <a:txBody>
+                    <a:bodyPr/>
+                    <a:lstStyle/>
+                    <a:p>
+                      <a:pPr algn="ctr"/>
+                      <a:r>
+                        <a:rPr lang="en-US" i="1" dirty="0"/>
+                        <a:t>1</a:t>
+                      </a:r>
+                    </a:p>
+                  </a:txBody>
+                  <a:tcPr/>
+                </a:tc>
+                <a:tc>
+                  <a:txBody>
+                    <a:bodyPr/>
+                    <a:lstStyle/>
+                    <a:p>
+                      <a:pPr algn="ctr"/>
+                      <a:r>
+                        <a:rPr lang="en-US" i="1" dirty="0"/>
+                        <a:t>1</a:t>
+                      </a:r>
+                    </a:p>
+                  </a:txBody>
+                  <a:tcPr/>
+                </a:tc>
+                <a:extLst>
+                  <a:ext uri="{0D108BD9-81ED-4DB2-BD59-A6C34878D82A}">
+                    <a16:rowId xmlns:a16="http://schemas.microsoft.com/office/drawing/2014/main" val="449121122"/>
+                  </a:ext>
+                </a:extLst>
+              </a:tr>
+            </a:tbl>
+          </a:graphicData>
+        </a:graphic>
+      </p:graphicFrame>
+      <p:graphicFrame>
+        <p:nvGraphicFramePr>
+          <p:cNvPr id="20" name="Table 19">
+            <a:extLst>
+              <a:ext uri="{FF2B5EF4-FFF2-40B4-BE49-F238E27FC236}">
+                <a16:creationId xmlns:a16="http://schemas.microsoft.com/office/drawing/2014/main" id="{6C4A50AB-B951-5553-C33F-60E70F461F0C}"/>
+              </a:ext>
+            </a:extLst>
+          </p:cNvPr>
+          <p:cNvGraphicFramePr>
+            <a:graphicFrameLocks noGrp="1"/>
+          </p:cNvGraphicFramePr>
+          <p:nvPr>
+            <p:extLst>
+              <p:ext uri="{D42A27DB-BD31-4B8C-83A1-F6EECF244321}">
+                <p14:modId xmlns:p14="http://schemas.microsoft.com/office/powerpoint/2010/main" val="1486825056"/>
+              </p:ext>
+            </p:extLst>
+          </p:nvPr>
+        </p:nvGraphicFramePr>
+        <p:xfrm>
+          <a:off x="648347" y="1860936"/>
+          <a:ext cx="5151264" cy="2318364"/>
+        </p:xfrm>
+        <a:graphic>
+          <a:graphicData uri="http://schemas.openxmlformats.org/drawingml/2006/table">
+            <a:tbl>
+              <a:tblPr firstRow="1" bandRow="1">
+                <a:tableStyleId>{5C22544A-7EE6-4342-B048-85BDC9FD1C3A}</a:tableStyleId>
+              </a:tblPr>
+              <a:tblGrid>
+                <a:gridCol w="1717088">
+                  <a:extLst>
+                    <a:ext uri="{9D8B030D-6E8A-4147-A177-3AD203B41FA5}">
+                      <a16:colId xmlns:a16="http://schemas.microsoft.com/office/drawing/2014/main" val="4092026021"/>
+                    </a:ext>
+                  </a:extLst>
+                </a:gridCol>
+                <a:gridCol w="1717088">
+                  <a:extLst>
+                    <a:ext uri="{9D8B030D-6E8A-4147-A177-3AD203B41FA5}">
+                      <a16:colId xmlns:a16="http://schemas.microsoft.com/office/drawing/2014/main" val="3995195705"/>
+                    </a:ext>
+                  </a:extLst>
+                </a:gridCol>
+                <a:gridCol w="1717088">
+                  <a:extLst>
+                    <a:ext uri="{9D8B030D-6E8A-4147-A177-3AD203B41FA5}">
+                      <a16:colId xmlns:a16="http://schemas.microsoft.com/office/drawing/2014/main" val="2796921869"/>
+                    </a:ext>
+                  </a:extLst>
+                </a:gridCol>
+              </a:tblGrid>
+              <a:tr h="579591">
+                <a:tc>
+                  <a:txBody>
+                    <a:bodyPr/>
+                    <a:lstStyle/>
+                    <a:p>
+                      <a:pPr algn="ctr"/>
+                      <a:r>
+                        <a:rPr lang="en-US" i="0" dirty="0">
+                          <a:solidFill>
+                            <a:schemeClr val="tx1"/>
+                          </a:solidFill>
+                        </a:rPr>
+                        <a:t>P: Prices</a:t>
+                      </a:r>
+                    </a:p>
+                  </a:txBody>
+                  <a:tcPr>
+                    <a:noFill/>
+                  </a:tcPr>
+                </a:tc>
+                <a:tc>
+                  <a:txBody>
+                    <a:bodyPr/>
+                    <a:lstStyle/>
+                    <a:p>
+                      <a:r>
+                        <a:rPr lang="en-US" dirty="0"/>
+                        <a:t>(e) Giant Eagle</a:t>
+                      </a:r>
+                    </a:p>
+                  </a:txBody>
+                  <a:tcPr/>
+                </a:tc>
+                <a:tc>
+                  <a:txBody>
+                    <a:bodyPr/>
+                    <a:lstStyle/>
+                    <a:p>
+                      <a:r>
+                        <a:rPr lang="en-US" dirty="0"/>
+                        <a:t>(f) Food Lion</a:t>
+                      </a:r>
+                    </a:p>
+                  </a:txBody>
+                  <a:tcPr/>
+                </a:tc>
+                <a:extLst>
+                  <a:ext uri="{0D108BD9-81ED-4DB2-BD59-A6C34878D82A}">
+                    <a16:rowId xmlns:a16="http://schemas.microsoft.com/office/drawing/2014/main" val="3832701466"/>
+                  </a:ext>
+                </a:extLst>
+              </a:tr>
+              <a:tr h="579591">
+                <a:tc>
+                  <a:txBody>
+                    <a:bodyPr/>
+                    <a:lstStyle/>
+                    <a:p>
+                      <a:pPr marL="0" marR="0" lvl="0" indent="0" algn="l" defTabSz="914400" rtl="0" eaLnBrk="1" fontAlgn="auto" latinLnBrk="0" hangingPunct="1">
+                        <a:lnSpc>
+                          <a:spcPct val="100000"/>
+                        </a:lnSpc>
+                        <a:spcBef>
+                          <a:spcPts val="0"/>
+                        </a:spcBef>
+                        <a:spcAft>
+                          <a:spcPts val="0"/>
+                        </a:spcAft>
+                        <a:buClrTx/>
+                        <a:buSzTx/>
+                        <a:buFontTx/>
+                        <a:buNone/>
+                        <a:tabLst/>
+                        <a:defRPr/>
+                      </a:pPr>
+                      <a:r>
+                        <a:rPr lang="en-US" dirty="0"/>
+                        <a:t>(a) Apples</a:t>
+                      </a:r>
+                    </a:p>
+                  </a:txBody>
+                  <a:tcPr>
+                    <a:solidFill>
+                      <a:schemeClr val="bg1">
+                        <a:lumMod val="95000"/>
+                      </a:schemeClr>
+                    </a:solidFill>
+                  </a:tcPr>
+                </a:tc>
+                <a:tc>
+                  <a:txBody>
+                    <a:bodyPr/>
+                    <a:lstStyle/>
+                    <a:p>
+                      <a:pPr algn="r"/>
+                      <a:r>
+                        <a:rPr lang="en-US" dirty="0"/>
+                        <a:t>1.00</a:t>
+                      </a:r>
+                    </a:p>
+                  </a:txBody>
+                  <a:tcPr/>
+                </a:tc>
+                <a:tc>
+                  <a:txBody>
+                    <a:bodyPr/>
+                    <a:lstStyle/>
+                    <a:p>
+                      <a:pPr algn="r"/>
+                      <a:r>
+                        <a:rPr lang="en-US" dirty="0"/>
+                        <a:t>0.80</a:t>
+                      </a:r>
+                    </a:p>
+                  </a:txBody>
+                  <a:tcPr/>
+                </a:tc>
+                <a:extLst>
+                  <a:ext uri="{0D108BD9-81ED-4DB2-BD59-A6C34878D82A}">
+                    <a16:rowId xmlns:a16="http://schemas.microsoft.com/office/drawing/2014/main" val="2897390408"/>
+                  </a:ext>
+                </a:extLst>
+              </a:tr>
+              <a:tr h="579591">
+                <a:tc>
+                  <a:txBody>
+                    <a:bodyPr/>
+                    <a:lstStyle/>
+                    <a:p>
+                      <a:pPr marL="0" marR="0" lvl="0" indent="0" algn="l" defTabSz="914400" rtl="0" eaLnBrk="1" fontAlgn="auto" latinLnBrk="0" hangingPunct="1">
+                        <a:lnSpc>
+                          <a:spcPct val="100000"/>
+                        </a:lnSpc>
+                        <a:spcBef>
+                          <a:spcPts val="0"/>
+                        </a:spcBef>
+                        <a:spcAft>
+                          <a:spcPts val="0"/>
+                        </a:spcAft>
+                        <a:buClrTx/>
+                        <a:buSzTx/>
+                        <a:buFontTx/>
+                        <a:buNone/>
+                        <a:tabLst/>
+                        <a:defRPr/>
+                      </a:pPr>
+                      <a:r>
+                        <a:rPr lang="en-US" dirty="0"/>
+                        <a:t>(b) Brown sugar</a:t>
+                      </a:r>
+                    </a:p>
+                  </a:txBody>
+                  <a:tcPr>
+                    <a:solidFill>
+                      <a:schemeClr val="bg1">
+                        <a:lumMod val="95000"/>
+                      </a:schemeClr>
+                    </a:solidFill>
+                  </a:tcPr>
+                </a:tc>
+                <a:tc>
+                  <a:txBody>
+                    <a:bodyPr/>
+                    <a:lstStyle/>
+                    <a:p>
+                      <a:pPr algn="r"/>
+                      <a:r>
+                        <a:rPr lang="en-US" dirty="0"/>
+                        <a:t>1.50</a:t>
+                      </a:r>
+                    </a:p>
+                  </a:txBody>
+                  <a:tcPr/>
+                </a:tc>
+                <a:tc>
+                  <a:txBody>
+                    <a:bodyPr/>
+                    <a:lstStyle/>
+                    <a:p>
+                      <a:pPr algn="r"/>
+                      <a:r>
+                        <a:rPr lang="en-US" dirty="0"/>
+                        <a:t>1.00</a:t>
+                      </a:r>
+                    </a:p>
+                  </a:txBody>
+                  <a:tcPr/>
+                </a:tc>
+                <a:extLst>
+                  <a:ext uri="{0D108BD9-81ED-4DB2-BD59-A6C34878D82A}">
+                    <a16:rowId xmlns:a16="http://schemas.microsoft.com/office/drawing/2014/main" val="303163573"/>
+                  </a:ext>
+                </a:extLst>
+              </a:tr>
+              <a:tr h="579591">
+                <a:tc>
+                  <a:txBody>
+                    <a:bodyPr/>
+                    <a:lstStyle/>
+                    <a:p>
+                      <a:pPr marL="0" marR="0" lvl="0" indent="0" algn="l" defTabSz="914400" rtl="0" eaLnBrk="1" fontAlgn="auto" latinLnBrk="0" hangingPunct="1">
+                        <a:lnSpc>
+                          <a:spcPct val="100000"/>
+                        </a:lnSpc>
+                        <a:spcBef>
+                          <a:spcPts val="0"/>
+                        </a:spcBef>
+                        <a:spcAft>
+                          <a:spcPts val="0"/>
+                        </a:spcAft>
+                        <a:buClrTx/>
+                        <a:buSzTx/>
+                        <a:buFontTx/>
+                        <a:buNone/>
+                        <a:tabLst/>
+                        <a:defRPr/>
+                      </a:pPr>
+                      <a:r>
+                        <a:rPr lang="en-US" dirty="0"/>
+                        <a:t>(c) Choc Chips</a:t>
+                      </a:r>
+                    </a:p>
+                  </a:txBody>
+                  <a:tcPr>
+                    <a:solidFill>
+                      <a:schemeClr val="bg1">
+                        <a:lumMod val="95000"/>
+                      </a:schemeClr>
+                    </a:solidFill>
+                  </a:tcPr>
+                </a:tc>
+                <a:tc>
+                  <a:txBody>
+                    <a:bodyPr/>
+                    <a:lstStyle/>
+                    <a:p>
+                      <a:pPr algn="r"/>
+                      <a:r>
+                        <a:rPr lang="en-US" dirty="0"/>
+                        <a:t>4.00</a:t>
+                      </a:r>
+                    </a:p>
+                  </a:txBody>
+                  <a:tcPr/>
+                </a:tc>
+                <a:tc>
+                  <a:txBody>
+                    <a:bodyPr/>
+                    <a:lstStyle/>
+                    <a:p>
+                      <a:pPr algn="r"/>
+                      <a:r>
+                        <a:rPr lang="en-US" dirty="0"/>
+                        <a:t>4.50</a:t>
+                      </a:r>
+                    </a:p>
+                  </a:txBody>
+                  <a:tcPr/>
+                </a:tc>
+                <a:extLst>
+                  <a:ext uri="{0D108BD9-81ED-4DB2-BD59-A6C34878D82A}">
+                    <a16:rowId xmlns:a16="http://schemas.microsoft.com/office/drawing/2014/main" val="3834278958"/>
+                  </a:ext>
+                </a:extLst>
+              </a:tr>
+            </a:tbl>
+          </a:graphicData>
+        </a:graphic>
+      </p:graphicFrame>
+      <p:grpSp>
+        <p:nvGrpSpPr>
+          <p:cNvPr id="37" name="Group 36">
+            <a:extLst>
+              <a:ext uri="{FF2B5EF4-FFF2-40B4-BE49-F238E27FC236}">
+                <a16:creationId xmlns:a16="http://schemas.microsoft.com/office/drawing/2014/main" id="{E81BF540-E0D9-3F46-6369-F1ED35827678}"/>
+              </a:ext>
+            </a:extLst>
+          </p:cNvPr>
+          <p:cNvGrpSpPr/>
+          <p:nvPr/>
+        </p:nvGrpSpPr>
+        <p:grpSpPr>
+          <a:xfrm>
+            <a:off x="6769152" y="1124616"/>
+            <a:ext cx="3167156" cy="2330751"/>
+            <a:chOff x="6891717" y="1636878"/>
+            <a:chExt cx="3167156" cy="2330751"/>
+          </a:xfrm>
+        </p:grpSpPr>
+        <p:grpSp>
+          <p:nvGrpSpPr>
+            <p:cNvPr id="19" name="Group 18">
+              <a:extLst>
+                <a:ext uri="{FF2B5EF4-FFF2-40B4-BE49-F238E27FC236}">
+                  <a16:creationId xmlns:a16="http://schemas.microsoft.com/office/drawing/2014/main" id="{D32986BB-53B2-5EBA-4BD5-B12E1C4CE448}"/>
+                </a:ext>
+              </a:extLst>
+            </p:cNvPr>
+            <p:cNvGrpSpPr/>
+            <p:nvPr/>
+          </p:nvGrpSpPr>
+          <p:grpSpPr>
+            <a:xfrm>
+              <a:off x="6891717" y="1636878"/>
+              <a:ext cx="3167156" cy="2330751"/>
+              <a:chOff x="888482" y="1281404"/>
+              <a:chExt cx="3167156" cy="2330751"/>
+            </a:xfrm>
+          </p:grpSpPr>
+          <p:sp>
+            <p:nvSpPr>
+              <p:cNvPr id="6" name="Rectangle 5">
+                <a:extLst>
+                  <a:ext uri="{FF2B5EF4-FFF2-40B4-BE49-F238E27FC236}">
+                    <a16:creationId xmlns:a16="http://schemas.microsoft.com/office/drawing/2014/main" id="{1963FADF-34F3-281C-4475-C689C80ABC87}"/>
+                  </a:ext>
+                </a:extLst>
+              </p:cNvPr>
+              <p:cNvSpPr/>
+              <p:nvPr/>
+            </p:nvSpPr>
+            <p:spPr>
+              <a:xfrm>
+                <a:off x="888483" y="1281404"/>
+                <a:ext cx="1029206" cy="392790"/>
+              </a:xfrm>
+              <a:prstGeom prst="rect">
+                <a:avLst/>
+              </a:prstGeom>
+              <a:solidFill>
+                <a:schemeClr val="bg1"/>
+              </a:solidFill>
+              <a:ln>
+                <a:noFill/>
+              </a:ln>
+            </p:spPr>
+            <p:style>
+              <a:lnRef idx="2">
+                <a:schemeClr val="accent1">
+                  <a:shade val="15000"/>
+                </a:schemeClr>
+              </a:lnRef>
+              <a:fillRef idx="1">
+                <a:schemeClr val="accent1"/>
+              </a:fillRef>
+              <a:effectRef idx="0">
+                <a:schemeClr val="accent1"/>
+              </a:effectRef>
+              <a:fontRef idx="minor">
+                <a:schemeClr val="lt1"/>
+              </a:fontRef>
+            </p:style>
+            <p:txBody>
+              <a:bodyPr rtlCol="0" anchor="ctr"/>
+              <a:lstStyle/>
+              <a:p>
+                <a:pPr algn="ctr"/>
+                <a:endParaRPr lang="en-US"/>
+              </a:p>
+            </p:txBody>
+          </p:sp>
+          <p:sp>
+            <p:nvSpPr>
+              <p:cNvPr id="7" name="Rectangle 6">
+                <a:extLst>
+                  <a:ext uri="{FF2B5EF4-FFF2-40B4-BE49-F238E27FC236}">
+                    <a16:creationId xmlns:a16="http://schemas.microsoft.com/office/drawing/2014/main" id="{6493B70C-861C-44FD-FAA0-043E61048643}"/>
+                  </a:ext>
+                </a:extLst>
+              </p:cNvPr>
+              <p:cNvSpPr/>
+              <p:nvPr/>
+            </p:nvSpPr>
+            <p:spPr>
+              <a:xfrm>
+                <a:off x="888482" y="2273198"/>
+                <a:ext cx="1029206" cy="392790"/>
+              </a:xfrm>
+              <a:prstGeom prst="rect">
+                <a:avLst/>
+              </a:prstGeom>
+              <a:solidFill>
+                <a:schemeClr val="bg1"/>
+              </a:solidFill>
+              <a:ln>
+                <a:noFill/>
+              </a:ln>
+            </p:spPr>
+            <p:style>
+              <a:lnRef idx="2">
+                <a:schemeClr val="accent1">
+                  <a:shade val="15000"/>
+                </a:schemeClr>
+              </a:lnRef>
+              <a:fillRef idx="1">
+                <a:schemeClr val="accent1"/>
+              </a:fillRef>
+              <a:effectRef idx="0">
+                <a:schemeClr val="accent1"/>
+              </a:effectRef>
+              <a:fontRef idx="minor">
+                <a:schemeClr val="lt1"/>
+              </a:fontRef>
+            </p:style>
+            <p:txBody>
+              <a:bodyPr rtlCol="0" anchor="ctr"/>
+              <a:lstStyle/>
+              <a:p>
+                <a:pPr algn="ctr"/>
+                <a:endParaRPr lang="en-US"/>
+              </a:p>
+            </p:txBody>
+          </p:sp>
+          <p:sp>
+            <p:nvSpPr>
+              <p:cNvPr id="24" name="TextBox 23">
+                <a:extLst>
+                  <a:ext uri="{FF2B5EF4-FFF2-40B4-BE49-F238E27FC236}">
+                    <a16:creationId xmlns:a16="http://schemas.microsoft.com/office/drawing/2014/main" id="{0B82F14A-FDA5-A813-36A3-CEAA9F30CFDB}"/>
+                  </a:ext>
+                </a:extLst>
+              </p:cNvPr>
+              <p:cNvSpPr txBox="1"/>
+              <p:nvPr/>
+            </p:nvSpPr>
+            <p:spPr>
+              <a:xfrm>
+                <a:off x="2323433" y="1383871"/>
+                <a:ext cx="263077" cy="273672"/>
+              </a:xfrm>
+              <a:prstGeom prst="rect">
+                <a:avLst/>
+              </a:prstGeom>
+            </p:spPr>
+            <p:style>
+              <a:lnRef idx="1">
+                <a:schemeClr val="accent1"/>
+              </a:lnRef>
+              <a:fillRef idx="3">
+                <a:schemeClr val="accent1"/>
+              </a:fillRef>
+              <a:effectRef idx="2">
+                <a:schemeClr val="accent1"/>
+              </a:effectRef>
+              <a:fontRef idx="minor">
+                <a:schemeClr val="lt1"/>
+              </a:fontRef>
+            </p:style>
+            <p:txBody>
+              <a:bodyPr wrap="square" rtlCol="0">
+                <a:spAutoFit/>
+              </a:bodyPr>
+              <a:lstStyle/>
+              <a:p>
+                <a:r>
+                  <a:rPr lang="en-US" i="1" dirty="0"/>
+                  <a:t>a</a:t>
+                </a:r>
+              </a:p>
+            </p:txBody>
+          </p:sp>
+          <p:sp>
+            <p:nvSpPr>
+              <p:cNvPr id="25" name="TextBox 24">
+                <a:extLst>
+                  <a:ext uri="{FF2B5EF4-FFF2-40B4-BE49-F238E27FC236}">
+                    <a16:creationId xmlns:a16="http://schemas.microsoft.com/office/drawing/2014/main" id="{6AA21C72-3AC7-6DD0-63AB-8C493A67CEB6}"/>
+                  </a:ext>
+                </a:extLst>
+              </p:cNvPr>
+              <p:cNvSpPr txBox="1"/>
+              <p:nvPr/>
+            </p:nvSpPr>
+            <p:spPr>
+              <a:xfrm>
+                <a:off x="2337729" y="2238771"/>
+                <a:ext cx="277879" cy="369332"/>
+              </a:xfrm>
+              <a:prstGeom prst="rect">
+                <a:avLst/>
+              </a:prstGeom>
+            </p:spPr>
+            <p:style>
+              <a:lnRef idx="1">
+                <a:schemeClr val="accent1"/>
+              </a:lnRef>
+              <a:fillRef idx="3">
+                <a:schemeClr val="accent1"/>
+              </a:fillRef>
+              <a:effectRef idx="2">
+                <a:schemeClr val="accent1"/>
+              </a:effectRef>
+              <a:fontRef idx="minor">
+                <a:schemeClr val="lt1"/>
+              </a:fontRef>
+            </p:style>
+            <p:txBody>
+              <a:bodyPr wrap="square" rtlCol="0">
+                <a:spAutoFit/>
+              </a:bodyPr>
+              <a:lstStyle/>
+              <a:p>
+                <a:r>
+                  <a:rPr lang="en-US" i="1" dirty="0"/>
+                  <a:t>b</a:t>
+                </a:r>
+              </a:p>
+            </p:txBody>
+          </p:sp>
+          <p:sp>
+            <p:nvSpPr>
+              <p:cNvPr id="26" name="TextBox 25">
+                <a:extLst>
+                  <a:ext uri="{FF2B5EF4-FFF2-40B4-BE49-F238E27FC236}">
+                    <a16:creationId xmlns:a16="http://schemas.microsoft.com/office/drawing/2014/main" id="{8DD02333-8504-BE3B-2F45-3110635539B6}"/>
+                  </a:ext>
+                </a:extLst>
+              </p:cNvPr>
+              <p:cNvSpPr txBox="1"/>
+              <p:nvPr/>
+            </p:nvSpPr>
+            <p:spPr>
+              <a:xfrm>
+                <a:off x="2303173" y="3242823"/>
+                <a:ext cx="326607" cy="369332"/>
+              </a:xfrm>
+              <a:prstGeom prst="rect">
+                <a:avLst/>
+              </a:prstGeom>
+            </p:spPr>
+            <p:style>
+              <a:lnRef idx="1">
+                <a:schemeClr val="accent1"/>
+              </a:lnRef>
+              <a:fillRef idx="3">
+                <a:schemeClr val="accent1"/>
+              </a:fillRef>
+              <a:effectRef idx="2">
+                <a:schemeClr val="accent1"/>
+              </a:effectRef>
+              <a:fontRef idx="minor">
+                <a:schemeClr val="lt1"/>
+              </a:fontRef>
+            </p:style>
+            <p:txBody>
+              <a:bodyPr wrap="square" rtlCol="0">
+                <a:spAutoFit/>
+              </a:bodyPr>
+              <a:lstStyle/>
+              <a:p>
+                <a:r>
+                  <a:rPr lang="en-US" i="1" dirty="0"/>
+                  <a:t>c</a:t>
+                </a:r>
+              </a:p>
+            </p:txBody>
+          </p:sp>
+          <p:sp>
+            <p:nvSpPr>
+              <p:cNvPr id="27" name="TextBox 26">
+                <a:extLst>
+                  <a:ext uri="{FF2B5EF4-FFF2-40B4-BE49-F238E27FC236}">
+                    <a16:creationId xmlns:a16="http://schemas.microsoft.com/office/drawing/2014/main" id="{048D8079-2044-83C0-B50B-579FE89EE15B}"/>
+                  </a:ext>
+                </a:extLst>
+              </p:cNvPr>
+              <p:cNvSpPr txBox="1"/>
+              <p:nvPr/>
+            </p:nvSpPr>
+            <p:spPr>
+              <a:xfrm>
+                <a:off x="3756561" y="1910507"/>
+                <a:ext cx="299077" cy="369332"/>
+              </a:xfrm>
+              <a:prstGeom prst="rect">
+                <a:avLst/>
+              </a:prstGeom>
+            </p:spPr>
+            <p:style>
+              <a:lnRef idx="1">
+                <a:schemeClr val="accent1"/>
+              </a:lnRef>
+              <a:fillRef idx="3">
+                <a:schemeClr val="accent1"/>
+              </a:fillRef>
+              <a:effectRef idx="2">
+                <a:schemeClr val="accent1"/>
+              </a:effectRef>
+              <a:fontRef idx="minor">
+                <a:schemeClr val="lt1"/>
+              </a:fontRef>
+            </p:style>
+            <p:txBody>
+              <a:bodyPr wrap="square" rtlCol="0">
+                <a:spAutoFit/>
+              </a:bodyPr>
+              <a:lstStyle/>
+              <a:p>
+                <a:r>
+                  <a:rPr lang="en-US" i="1" dirty="0"/>
+                  <a:t>e</a:t>
+                </a:r>
+              </a:p>
+            </p:txBody>
+          </p:sp>
+          <p:sp>
+            <p:nvSpPr>
+              <p:cNvPr id="28" name="TextBox 27">
+                <a:extLst>
+                  <a:ext uri="{FF2B5EF4-FFF2-40B4-BE49-F238E27FC236}">
+                    <a16:creationId xmlns:a16="http://schemas.microsoft.com/office/drawing/2014/main" id="{B75D505E-0B3A-8DED-39FA-C9EA37622572}"/>
+                  </a:ext>
+                </a:extLst>
+              </p:cNvPr>
+              <p:cNvSpPr txBox="1"/>
+              <p:nvPr/>
+            </p:nvSpPr>
+            <p:spPr>
+              <a:xfrm>
+                <a:off x="3756560" y="2698540"/>
+                <a:ext cx="299077" cy="369332"/>
+              </a:xfrm>
+              <a:prstGeom prst="rect">
+                <a:avLst/>
+              </a:prstGeom>
+            </p:spPr>
+            <p:style>
+              <a:lnRef idx="1">
+                <a:schemeClr val="accent1"/>
+              </a:lnRef>
+              <a:fillRef idx="3">
+                <a:schemeClr val="accent1"/>
+              </a:fillRef>
+              <a:effectRef idx="2">
+                <a:schemeClr val="accent1"/>
+              </a:effectRef>
+              <a:fontRef idx="minor">
+                <a:schemeClr val="lt1"/>
+              </a:fontRef>
+            </p:style>
+            <p:txBody>
+              <a:bodyPr wrap="square" rtlCol="0">
+                <a:spAutoFit/>
+              </a:bodyPr>
+              <a:lstStyle/>
+              <a:p>
+                <a:r>
+                  <a:rPr lang="en-US" i="1" dirty="0"/>
+                  <a:t>f</a:t>
+                </a:r>
+              </a:p>
+            </p:txBody>
+          </p:sp>
+          <p:sp>
+            <p:nvSpPr>
+              <p:cNvPr id="29" name="TextBox 28">
+                <a:extLst>
+                  <a:ext uri="{FF2B5EF4-FFF2-40B4-BE49-F238E27FC236}">
+                    <a16:creationId xmlns:a16="http://schemas.microsoft.com/office/drawing/2014/main" id="{ACD1FAD0-2B0E-E981-F351-F872C404CEA1}"/>
+                  </a:ext>
+                </a:extLst>
+              </p:cNvPr>
+              <p:cNvSpPr txBox="1"/>
+              <p:nvPr/>
+            </p:nvSpPr>
+            <p:spPr>
+              <a:xfrm>
+                <a:off x="1127487" y="1973991"/>
+                <a:ext cx="263077" cy="369332"/>
+              </a:xfrm>
+              <a:prstGeom prst="rect">
+                <a:avLst/>
+              </a:prstGeom>
+            </p:spPr>
+            <p:style>
+              <a:lnRef idx="1">
+                <a:schemeClr val="accent1"/>
+              </a:lnRef>
+              <a:fillRef idx="3">
+                <a:schemeClr val="accent1"/>
+              </a:fillRef>
+              <a:effectRef idx="2">
+                <a:schemeClr val="accent1"/>
+              </a:effectRef>
+              <a:fontRef idx="minor">
+                <a:schemeClr val="lt1"/>
+              </a:fontRef>
+            </p:style>
+            <p:txBody>
+              <a:bodyPr wrap="square" rtlCol="0">
+                <a:spAutoFit/>
+              </a:bodyPr>
+              <a:lstStyle/>
+              <a:p>
+                <a:r>
+                  <a:rPr lang="en-US" i="1" dirty="0"/>
+                  <a:t>r</a:t>
+                </a:r>
+              </a:p>
+            </p:txBody>
+          </p:sp>
+          <p:cxnSp>
+            <p:nvCxnSpPr>
+              <p:cNvPr id="70" name="Straight Arrow Connector 69">
+                <a:extLst>
+                  <a:ext uri="{FF2B5EF4-FFF2-40B4-BE49-F238E27FC236}">
+                    <a16:creationId xmlns:a16="http://schemas.microsoft.com/office/drawing/2014/main" id="{00060097-57A1-7ADB-26FF-74AAC175B444}"/>
+                  </a:ext>
+                </a:extLst>
+              </p:cNvPr>
+              <p:cNvCxnSpPr>
+                <a:cxnSpLocks/>
+              </p:cNvCxnSpPr>
+              <p:nvPr/>
+            </p:nvCxnSpPr>
+            <p:spPr>
+              <a:xfrm flipV="1">
+                <a:off x="1457280" y="1639660"/>
+                <a:ext cx="758914" cy="444663"/>
+              </a:xfrm>
+              <a:prstGeom prst="straightConnector1">
+                <a:avLst/>
+              </a:prstGeom>
+              <a:ln>
+                <a:tailEnd type="triangle"/>
+              </a:ln>
+            </p:spPr>
+            <p:style>
+              <a:lnRef idx="3">
+                <a:schemeClr val="accent4"/>
+              </a:lnRef>
+              <a:fillRef idx="0">
+                <a:schemeClr val="accent4"/>
+              </a:fillRef>
+              <a:effectRef idx="2">
+                <a:schemeClr val="accent4"/>
+              </a:effectRef>
+              <a:fontRef idx="minor">
+                <a:schemeClr val="tx1"/>
+              </a:fontRef>
+            </p:style>
+          </p:cxnSp>
+          <p:cxnSp>
+            <p:nvCxnSpPr>
+              <p:cNvPr id="75" name="Straight Arrow Connector 74">
+                <a:extLst>
+                  <a:ext uri="{FF2B5EF4-FFF2-40B4-BE49-F238E27FC236}">
+                    <a16:creationId xmlns:a16="http://schemas.microsoft.com/office/drawing/2014/main" id="{B92B3D4C-66AF-9489-C797-C21910F870EA}"/>
+                  </a:ext>
+                </a:extLst>
+              </p:cNvPr>
+              <p:cNvCxnSpPr>
+                <a:cxnSpLocks/>
+              </p:cNvCxnSpPr>
+              <p:nvPr/>
+            </p:nvCxnSpPr>
+            <p:spPr>
+              <a:xfrm>
+                <a:off x="1446090" y="2221159"/>
+                <a:ext cx="812451" cy="248434"/>
+              </a:xfrm>
+              <a:prstGeom prst="straightConnector1">
+                <a:avLst/>
+              </a:prstGeom>
+              <a:ln>
+                <a:tailEnd type="triangle"/>
+              </a:ln>
+            </p:spPr>
+            <p:style>
+              <a:lnRef idx="3">
+                <a:schemeClr val="accent4"/>
+              </a:lnRef>
+              <a:fillRef idx="0">
+                <a:schemeClr val="accent4"/>
+              </a:fillRef>
+              <a:effectRef idx="2">
+                <a:schemeClr val="accent4"/>
+              </a:effectRef>
+              <a:fontRef idx="minor">
+                <a:schemeClr val="tx1"/>
+              </a:fontRef>
+            </p:style>
+          </p:cxnSp>
+          <p:grpSp>
+            <p:nvGrpSpPr>
+              <p:cNvPr id="81" name="Group 80">
+                <a:extLst>
+                  <a:ext uri="{FF2B5EF4-FFF2-40B4-BE49-F238E27FC236}">
+                    <a16:creationId xmlns:a16="http://schemas.microsoft.com/office/drawing/2014/main" id="{6255EA39-71D5-E499-77DE-121F809FB954}"/>
+                  </a:ext>
+                </a:extLst>
+              </p:cNvPr>
+              <p:cNvGrpSpPr/>
+              <p:nvPr/>
+            </p:nvGrpSpPr>
+            <p:grpSpPr>
+              <a:xfrm>
+                <a:off x="1457280" y="1563784"/>
+                <a:ext cx="2273987" cy="1863705"/>
+                <a:chOff x="7752063" y="1399086"/>
+                <a:chExt cx="2273987" cy="1863705"/>
+              </a:xfrm>
+            </p:grpSpPr>
+            <p:cxnSp>
+              <p:nvCxnSpPr>
+                <p:cNvPr id="71" name="Straight Arrow Connector 70">
+                  <a:extLst>
+                    <a:ext uri="{FF2B5EF4-FFF2-40B4-BE49-F238E27FC236}">
+                      <a16:creationId xmlns:a16="http://schemas.microsoft.com/office/drawing/2014/main" id="{1297B0B6-4F41-54DA-EDBE-8E4D32CF20E7}"/>
+                    </a:ext>
+                  </a:extLst>
+                </p:cNvPr>
+                <p:cNvCxnSpPr>
+                  <a:cxnSpLocks/>
+                  <a:endCxn id="26" idx="1"/>
+                </p:cNvCxnSpPr>
+                <p:nvPr/>
+              </p:nvCxnSpPr>
+              <p:spPr>
+                <a:xfrm>
+                  <a:off x="7752063" y="2219422"/>
+                  <a:ext cx="845893" cy="1043369"/>
+                </a:xfrm>
+                <a:prstGeom prst="straightConnector1">
+                  <a:avLst/>
+                </a:prstGeom>
+                <a:ln>
+                  <a:tailEnd type="triangle"/>
+                </a:ln>
+              </p:spPr>
+              <p:style>
+                <a:lnRef idx="3">
+                  <a:schemeClr val="accent4"/>
+                </a:lnRef>
+                <a:fillRef idx="0">
+                  <a:schemeClr val="accent4"/>
+                </a:fillRef>
+                <a:effectRef idx="2">
+                  <a:schemeClr val="accent4"/>
+                </a:effectRef>
+                <a:fontRef idx="minor">
+                  <a:schemeClr val="tx1"/>
+                </a:fontRef>
+              </p:style>
+            </p:cxnSp>
+            <p:cxnSp>
+              <p:nvCxnSpPr>
+                <p:cNvPr id="77" name="Straight Arrow Connector 76">
+                  <a:extLst>
+                    <a:ext uri="{FF2B5EF4-FFF2-40B4-BE49-F238E27FC236}">
+                      <a16:creationId xmlns:a16="http://schemas.microsoft.com/office/drawing/2014/main" id="{421A3A97-A618-A912-7D86-B170DF9E594A}"/>
+                    </a:ext>
+                  </a:extLst>
+                </p:cNvPr>
+                <p:cNvCxnSpPr>
+                  <a:cxnSpLocks/>
+                </p:cNvCxnSpPr>
+                <p:nvPr/>
+              </p:nvCxnSpPr>
+              <p:spPr>
+                <a:xfrm>
+                  <a:off x="8966361" y="1452386"/>
+                  <a:ext cx="1059689" cy="1176257"/>
+                </a:xfrm>
+                <a:prstGeom prst="straightConnector1">
+                  <a:avLst/>
+                </a:prstGeom>
+                <a:ln>
+                  <a:tailEnd type="triangle"/>
+                </a:ln>
+              </p:spPr>
+              <p:style>
+                <a:lnRef idx="3">
+                  <a:schemeClr val="accent4"/>
+                </a:lnRef>
+                <a:fillRef idx="0">
+                  <a:schemeClr val="accent4"/>
+                </a:fillRef>
+                <a:effectRef idx="2">
+                  <a:schemeClr val="accent4"/>
+                </a:effectRef>
+                <a:fontRef idx="minor">
+                  <a:schemeClr val="tx1"/>
+                </a:fontRef>
+              </p:style>
+            </p:cxnSp>
+            <p:cxnSp>
+              <p:nvCxnSpPr>
+                <p:cNvPr id="79" name="Straight Arrow Connector 78">
+                  <a:extLst>
+                    <a:ext uri="{FF2B5EF4-FFF2-40B4-BE49-F238E27FC236}">
+                      <a16:creationId xmlns:a16="http://schemas.microsoft.com/office/drawing/2014/main" id="{91B848F9-FA36-8BDB-2FEC-FEDEE8151A96}"/>
+                    </a:ext>
+                  </a:extLst>
+                </p:cNvPr>
+                <p:cNvCxnSpPr>
+                  <a:cxnSpLocks/>
+                </p:cNvCxnSpPr>
+                <p:nvPr/>
+              </p:nvCxnSpPr>
+              <p:spPr>
+                <a:xfrm>
+                  <a:off x="8989162" y="1399086"/>
+                  <a:ext cx="965239" cy="506612"/>
+                </a:xfrm>
+                <a:prstGeom prst="straightConnector1">
+                  <a:avLst/>
+                </a:prstGeom>
+                <a:ln>
+                  <a:tailEnd type="triangle"/>
+                </a:ln>
+              </p:spPr>
+              <p:style>
+                <a:lnRef idx="3">
+                  <a:schemeClr val="accent4"/>
+                </a:lnRef>
+                <a:fillRef idx="0">
+                  <a:schemeClr val="accent4"/>
+                </a:fillRef>
+                <a:effectRef idx="2">
+                  <a:schemeClr val="accent4"/>
+                </a:effectRef>
+                <a:fontRef idx="minor">
+                  <a:schemeClr val="tx1"/>
+                </a:fontRef>
+              </p:style>
+            </p:cxnSp>
+          </p:grpSp>
+          <p:cxnSp>
+            <p:nvCxnSpPr>
+              <p:cNvPr id="83" name="Straight Arrow Connector 82">
+                <a:extLst>
+                  <a:ext uri="{FF2B5EF4-FFF2-40B4-BE49-F238E27FC236}">
+                    <a16:creationId xmlns:a16="http://schemas.microsoft.com/office/drawing/2014/main" id="{CDFCF51A-A255-56A3-A769-A1B12B7D0DE8}"/>
+                  </a:ext>
+                </a:extLst>
+              </p:cNvPr>
+              <p:cNvCxnSpPr>
+                <a:cxnSpLocks/>
+              </p:cNvCxnSpPr>
+              <p:nvPr/>
+            </p:nvCxnSpPr>
+            <p:spPr>
+              <a:xfrm>
+                <a:off x="2694379" y="2528512"/>
+                <a:ext cx="1023228" cy="390822"/>
+              </a:xfrm>
+              <a:prstGeom prst="straightConnector1">
+                <a:avLst/>
+              </a:prstGeom>
+              <a:ln>
+                <a:tailEnd type="triangle"/>
+              </a:ln>
+            </p:spPr>
+            <p:style>
+              <a:lnRef idx="3">
+                <a:schemeClr val="accent4"/>
+              </a:lnRef>
+              <a:fillRef idx="0">
+                <a:schemeClr val="accent4"/>
+              </a:fillRef>
+              <a:effectRef idx="2">
+                <a:schemeClr val="accent4"/>
+              </a:effectRef>
+              <a:fontRef idx="minor">
+                <a:schemeClr val="tx1"/>
+              </a:fontRef>
+            </p:style>
+          </p:cxnSp>
+          <p:cxnSp>
+            <p:nvCxnSpPr>
+              <p:cNvPr id="84" name="Straight Arrow Connector 83">
+                <a:extLst>
+                  <a:ext uri="{FF2B5EF4-FFF2-40B4-BE49-F238E27FC236}">
+                    <a16:creationId xmlns:a16="http://schemas.microsoft.com/office/drawing/2014/main" id="{80B812CD-DAFC-9B2C-5CA3-27282BBF793A}"/>
+                  </a:ext>
+                </a:extLst>
+              </p:cNvPr>
+              <p:cNvCxnSpPr>
+                <a:cxnSpLocks/>
+              </p:cNvCxnSpPr>
+              <p:nvPr/>
+            </p:nvCxnSpPr>
+            <p:spPr>
+              <a:xfrm flipV="1">
+                <a:off x="2680867" y="2296584"/>
+                <a:ext cx="978751" cy="989500"/>
+              </a:xfrm>
+              <a:prstGeom prst="straightConnector1">
+                <a:avLst/>
+              </a:prstGeom>
+              <a:ln>
+                <a:tailEnd type="triangle"/>
+              </a:ln>
+            </p:spPr>
+            <p:style>
+              <a:lnRef idx="3">
+                <a:schemeClr val="accent4"/>
+              </a:lnRef>
+              <a:fillRef idx="0">
+                <a:schemeClr val="accent4"/>
+              </a:fillRef>
+              <a:effectRef idx="2">
+                <a:schemeClr val="accent4"/>
+              </a:effectRef>
+              <a:fontRef idx="minor">
+                <a:schemeClr val="tx1"/>
+              </a:fontRef>
+            </p:style>
+          </p:cxnSp>
+          <p:cxnSp>
+            <p:nvCxnSpPr>
+              <p:cNvPr id="85" name="Straight Arrow Connector 84">
+                <a:extLst>
+                  <a:ext uri="{FF2B5EF4-FFF2-40B4-BE49-F238E27FC236}">
+                    <a16:creationId xmlns:a16="http://schemas.microsoft.com/office/drawing/2014/main" id="{AB737E55-E581-7F86-2E10-7CCDEA9CCF48}"/>
+                  </a:ext>
+                </a:extLst>
+              </p:cNvPr>
+              <p:cNvCxnSpPr>
+                <a:cxnSpLocks/>
+              </p:cNvCxnSpPr>
+              <p:nvPr/>
+            </p:nvCxnSpPr>
+            <p:spPr>
+              <a:xfrm flipV="1">
+                <a:off x="2694379" y="2184347"/>
+                <a:ext cx="965239" cy="246574"/>
+              </a:xfrm>
+              <a:prstGeom prst="straightConnector1">
+                <a:avLst/>
+              </a:prstGeom>
+              <a:ln>
+                <a:tailEnd type="triangle"/>
+              </a:ln>
+            </p:spPr>
+            <p:style>
+              <a:lnRef idx="3">
+                <a:schemeClr val="accent4"/>
+              </a:lnRef>
+              <a:fillRef idx="0">
+                <a:schemeClr val="accent4"/>
+              </a:fillRef>
+              <a:effectRef idx="2">
+                <a:schemeClr val="accent4"/>
+              </a:effectRef>
+              <a:fontRef idx="minor">
+                <a:schemeClr val="tx1"/>
+              </a:fontRef>
+            </p:style>
+          </p:cxnSp>
+          <p:cxnSp>
+            <p:nvCxnSpPr>
+              <p:cNvPr id="5" name="Straight Arrow Connector 4">
+                <a:extLst>
+                  <a:ext uri="{FF2B5EF4-FFF2-40B4-BE49-F238E27FC236}">
+                    <a16:creationId xmlns:a16="http://schemas.microsoft.com/office/drawing/2014/main" id="{F0757F9C-BBBE-2935-740D-E3D54F038731}"/>
+                  </a:ext>
+                </a:extLst>
+              </p:cNvPr>
+              <p:cNvCxnSpPr>
+                <a:cxnSpLocks/>
+              </p:cNvCxnSpPr>
+              <p:nvPr/>
+            </p:nvCxnSpPr>
+            <p:spPr>
+              <a:xfrm flipV="1">
+                <a:off x="2656284" y="3054681"/>
+                <a:ext cx="1029838" cy="386060"/>
+              </a:xfrm>
+              <a:prstGeom prst="straightConnector1">
+                <a:avLst/>
+              </a:prstGeom>
+              <a:ln>
+                <a:tailEnd type="triangle"/>
+              </a:ln>
+            </p:spPr>
+            <p:style>
+              <a:lnRef idx="3">
+                <a:schemeClr val="accent4"/>
+              </a:lnRef>
+              <a:fillRef idx="0">
+                <a:schemeClr val="accent4"/>
+              </a:fillRef>
+              <a:effectRef idx="2">
+                <a:schemeClr val="accent4"/>
+              </a:effectRef>
+              <a:fontRef idx="minor">
+                <a:schemeClr val="tx1"/>
+              </a:fontRef>
+            </p:style>
+          </p:cxnSp>
+        </p:grpSp>
+        <p:sp>
+          <p:nvSpPr>
+            <p:cNvPr id="21" name="TextBox 20">
+              <a:extLst>
+                <a:ext uri="{FF2B5EF4-FFF2-40B4-BE49-F238E27FC236}">
+                  <a16:creationId xmlns:a16="http://schemas.microsoft.com/office/drawing/2014/main" id="{8E5DF9ED-C268-A2D2-841D-1363F541F497}"/>
+                </a:ext>
+              </a:extLst>
+            </p:cNvPr>
+            <p:cNvSpPr txBox="1"/>
+            <p:nvPr/>
+          </p:nvSpPr>
+          <p:spPr>
+            <a:xfrm>
+              <a:off x="7688310" y="1795769"/>
+              <a:ext cx="286233" cy="369332"/>
+            </a:xfrm>
+            <a:prstGeom prst="rect">
+              <a:avLst/>
+            </a:prstGeom>
+            <a:noFill/>
+          </p:spPr>
+          <p:txBody>
+            <a:bodyPr wrap="square" rtlCol="0">
+              <a:spAutoFit/>
+            </a:bodyPr>
+            <a:lstStyle/>
+            <a:p>
+              <a:r>
+                <a:rPr lang="en-US" dirty="0"/>
+                <a:t>6</a:t>
+              </a:r>
+            </a:p>
+          </p:txBody>
+        </p:sp>
+        <p:sp>
+          <p:nvSpPr>
+            <p:cNvPr id="22" name="TextBox 21">
+              <a:extLst>
+                <a:ext uri="{FF2B5EF4-FFF2-40B4-BE49-F238E27FC236}">
+                  <a16:creationId xmlns:a16="http://schemas.microsoft.com/office/drawing/2014/main" id="{A525A2E1-5D32-A1EF-7DD2-744D77CD8791}"/>
+                </a:ext>
+              </a:extLst>
+            </p:cNvPr>
+            <p:cNvSpPr txBox="1"/>
+            <p:nvPr/>
+          </p:nvSpPr>
+          <p:spPr>
+            <a:xfrm>
+              <a:off x="7787095" y="2347464"/>
+              <a:ext cx="286233" cy="369332"/>
+            </a:xfrm>
+            <a:prstGeom prst="rect">
+              <a:avLst/>
+            </a:prstGeom>
+            <a:noFill/>
+          </p:spPr>
+          <p:txBody>
+            <a:bodyPr wrap="square" rtlCol="0">
+              <a:spAutoFit/>
+            </a:bodyPr>
+            <a:lstStyle/>
+            <a:p>
+              <a:r>
+                <a:rPr lang="en-US" dirty="0"/>
+                <a:t>1</a:t>
+              </a:r>
+            </a:p>
+          </p:txBody>
+        </p:sp>
+        <p:sp>
+          <p:nvSpPr>
+            <p:cNvPr id="23" name="TextBox 22">
+              <a:extLst>
+                <a:ext uri="{FF2B5EF4-FFF2-40B4-BE49-F238E27FC236}">
+                  <a16:creationId xmlns:a16="http://schemas.microsoft.com/office/drawing/2014/main" id="{D93EB953-B9AE-D4B7-B7A4-99C1298F47D1}"/>
+                </a:ext>
+              </a:extLst>
+            </p:cNvPr>
+            <p:cNvSpPr txBox="1"/>
+            <p:nvPr/>
+          </p:nvSpPr>
+          <p:spPr>
+            <a:xfrm>
+              <a:off x="7884808" y="3054014"/>
+              <a:ext cx="286233" cy="369332"/>
+            </a:xfrm>
+            <a:prstGeom prst="rect">
+              <a:avLst/>
+            </a:prstGeom>
+            <a:noFill/>
+          </p:spPr>
+          <p:txBody>
+            <a:bodyPr wrap="square" rtlCol="0">
+              <a:spAutoFit/>
+            </a:bodyPr>
+            <a:lstStyle/>
+            <a:p>
+              <a:r>
+                <a:rPr lang="en-US" dirty="0"/>
+                <a:t>1</a:t>
+              </a:r>
+            </a:p>
+          </p:txBody>
+        </p:sp>
+        <p:sp>
+          <p:nvSpPr>
+            <p:cNvPr id="30" name="TextBox 29">
+              <a:extLst>
+                <a:ext uri="{FF2B5EF4-FFF2-40B4-BE49-F238E27FC236}">
+                  <a16:creationId xmlns:a16="http://schemas.microsoft.com/office/drawing/2014/main" id="{E9DF64B1-75D1-CB32-FF06-F302E9F94E7A}"/>
+                </a:ext>
+              </a:extLst>
+            </p:cNvPr>
+            <p:cNvSpPr txBox="1"/>
+            <p:nvPr/>
+          </p:nvSpPr>
+          <p:spPr>
+            <a:xfrm>
+              <a:off x="9008357" y="1840900"/>
+              <a:ext cx="286233" cy="369332"/>
+            </a:xfrm>
+            <a:prstGeom prst="rect">
+              <a:avLst/>
+            </a:prstGeom>
+            <a:noFill/>
+          </p:spPr>
+          <p:txBody>
+            <a:bodyPr wrap="square" rtlCol="0">
+              <a:spAutoFit/>
+            </a:bodyPr>
+            <a:lstStyle/>
+            <a:p>
+              <a:r>
+                <a:rPr lang="en-US" dirty="0"/>
+                <a:t>1</a:t>
+              </a:r>
+            </a:p>
+          </p:txBody>
+        </p:sp>
+        <p:sp>
+          <p:nvSpPr>
+            <p:cNvPr id="31" name="TextBox 30">
+              <a:extLst>
+                <a:ext uri="{FF2B5EF4-FFF2-40B4-BE49-F238E27FC236}">
+                  <a16:creationId xmlns:a16="http://schemas.microsoft.com/office/drawing/2014/main" id="{52DBEA6C-7752-AC9B-2986-85B8248726A7}"/>
+                </a:ext>
+              </a:extLst>
+            </p:cNvPr>
+            <p:cNvSpPr txBox="1"/>
+            <p:nvPr/>
+          </p:nvSpPr>
+          <p:spPr>
+            <a:xfrm>
+              <a:off x="8434807" y="2065893"/>
+              <a:ext cx="572624" cy="369332"/>
+            </a:xfrm>
+            <a:prstGeom prst="rect">
+              <a:avLst/>
+            </a:prstGeom>
+            <a:noFill/>
+          </p:spPr>
+          <p:txBody>
+            <a:bodyPr wrap="square" rtlCol="0">
+              <a:spAutoFit/>
+            </a:bodyPr>
+            <a:lstStyle/>
+            <a:p>
+              <a:r>
+                <a:rPr lang="en-US" dirty="0"/>
+                <a:t>0.8</a:t>
+              </a:r>
+            </a:p>
+          </p:txBody>
+        </p:sp>
+        <p:sp>
+          <p:nvSpPr>
+            <p:cNvPr id="33" name="TextBox 32">
+              <a:extLst>
+                <a:ext uri="{FF2B5EF4-FFF2-40B4-BE49-F238E27FC236}">
+                  <a16:creationId xmlns:a16="http://schemas.microsoft.com/office/drawing/2014/main" id="{D2C36308-752E-5E8F-017F-85D452BC5327}"/>
+                </a:ext>
+              </a:extLst>
+            </p:cNvPr>
+            <p:cNvSpPr txBox="1"/>
+            <p:nvPr/>
+          </p:nvSpPr>
+          <p:spPr>
+            <a:xfrm>
+              <a:off x="8653545" y="2399565"/>
+              <a:ext cx="572624" cy="369332"/>
+            </a:xfrm>
+            <a:prstGeom prst="rect">
+              <a:avLst/>
+            </a:prstGeom>
+            <a:noFill/>
+          </p:spPr>
+          <p:txBody>
+            <a:bodyPr wrap="square" rtlCol="0">
+              <a:spAutoFit/>
+            </a:bodyPr>
+            <a:lstStyle/>
+            <a:p>
+              <a:r>
+                <a:rPr lang="en-US" dirty="0"/>
+                <a:t>1.5</a:t>
+              </a:r>
+            </a:p>
+          </p:txBody>
+        </p:sp>
+        <p:sp>
+          <p:nvSpPr>
+            <p:cNvPr id="34" name="TextBox 33">
+              <a:extLst>
+                <a:ext uri="{FF2B5EF4-FFF2-40B4-BE49-F238E27FC236}">
+                  <a16:creationId xmlns:a16="http://schemas.microsoft.com/office/drawing/2014/main" id="{34E5C3AE-B759-0C64-9A7C-8CD075DC36F0}"/>
+                </a:ext>
+              </a:extLst>
+            </p:cNvPr>
+            <p:cNvSpPr txBox="1"/>
+            <p:nvPr/>
+          </p:nvSpPr>
+          <p:spPr>
+            <a:xfrm>
+              <a:off x="8992062" y="2753927"/>
+              <a:ext cx="572624" cy="369332"/>
+            </a:xfrm>
+            <a:prstGeom prst="rect">
+              <a:avLst/>
+            </a:prstGeom>
+            <a:noFill/>
+          </p:spPr>
+          <p:txBody>
+            <a:bodyPr wrap="square" rtlCol="0">
+              <a:spAutoFit/>
+            </a:bodyPr>
+            <a:lstStyle/>
+            <a:p>
+              <a:r>
+                <a:rPr lang="en-US" dirty="0"/>
+                <a:t>1</a:t>
+              </a:r>
+            </a:p>
+          </p:txBody>
+        </p:sp>
+        <p:sp>
+          <p:nvSpPr>
+            <p:cNvPr id="35" name="TextBox 34">
+              <a:extLst>
+                <a:ext uri="{FF2B5EF4-FFF2-40B4-BE49-F238E27FC236}">
+                  <a16:creationId xmlns:a16="http://schemas.microsoft.com/office/drawing/2014/main" id="{C25EDDDE-A06B-5BC3-6FE3-584ED076E152}"/>
+                </a:ext>
+              </a:extLst>
+            </p:cNvPr>
+            <p:cNvSpPr txBox="1"/>
+            <p:nvPr/>
+          </p:nvSpPr>
+          <p:spPr>
+            <a:xfrm>
+              <a:off x="8628650" y="3174459"/>
+              <a:ext cx="572624" cy="369332"/>
+            </a:xfrm>
+            <a:prstGeom prst="rect">
+              <a:avLst/>
+            </a:prstGeom>
+            <a:noFill/>
+          </p:spPr>
+          <p:txBody>
+            <a:bodyPr wrap="square" rtlCol="0">
+              <a:spAutoFit/>
+            </a:bodyPr>
+            <a:lstStyle/>
+            <a:p>
+              <a:r>
+                <a:rPr lang="en-US" dirty="0"/>
+                <a:t>4</a:t>
+              </a:r>
+            </a:p>
+          </p:txBody>
+        </p:sp>
+        <p:sp>
+          <p:nvSpPr>
+            <p:cNvPr id="36" name="TextBox 35">
+              <a:extLst>
+                <a:ext uri="{FF2B5EF4-FFF2-40B4-BE49-F238E27FC236}">
+                  <a16:creationId xmlns:a16="http://schemas.microsoft.com/office/drawing/2014/main" id="{D561B7B4-1AAD-DD8D-31B8-E7D2E6E286B5}"/>
+                </a:ext>
+              </a:extLst>
+            </p:cNvPr>
+            <p:cNvSpPr txBox="1"/>
+            <p:nvPr/>
+          </p:nvSpPr>
+          <p:spPr>
+            <a:xfrm>
+              <a:off x="9039528" y="3246406"/>
+              <a:ext cx="572624" cy="369332"/>
+            </a:xfrm>
+            <a:prstGeom prst="rect">
+              <a:avLst/>
+            </a:prstGeom>
+            <a:noFill/>
+          </p:spPr>
+          <p:txBody>
+            <a:bodyPr wrap="square" rtlCol="0">
+              <a:spAutoFit/>
+            </a:bodyPr>
+            <a:lstStyle/>
+            <a:p>
+              <a:r>
+                <a:rPr lang="en-US" dirty="0"/>
+                <a:t>4.5</a:t>
+              </a:r>
+            </a:p>
+          </p:txBody>
+        </p:sp>
+      </p:grpSp>
+      <p:sp>
+        <p:nvSpPr>
+          <p:cNvPr id="38" name="TextBox 37">
+            <a:extLst>
+              <a:ext uri="{FF2B5EF4-FFF2-40B4-BE49-F238E27FC236}">
+                <a16:creationId xmlns:a16="http://schemas.microsoft.com/office/drawing/2014/main" id="{21EC76B6-174E-BB2C-0438-D2C9E01FA27A}"/>
+              </a:ext>
+            </a:extLst>
+          </p:cNvPr>
+          <p:cNvSpPr txBox="1"/>
+          <p:nvPr/>
+        </p:nvSpPr>
+        <p:spPr>
+          <a:xfrm>
+            <a:off x="1046556" y="4620172"/>
+            <a:ext cx="8590674" cy="2031325"/>
+          </a:xfrm>
+          <a:prstGeom prst="rect">
+            <a:avLst/>
+          </a:prstGeom>
+        </p:spPr>
+        <p:style>
+          <a:lnRef idx="2">
+            <a:schemeClr val="accent1"/>
+          </a:lnRef>
+          <a:fillRef idx="1">
+            <a:schemeClr val="lt1"/>
+          </a:fillRef>
+          <a:effectRef idx="0">
+            <a:schemeClr val="accent1"/>
+          </a:effectRef>
+          <a:fontRef idx="minor">
+            <a:schemeClr val="dk1"/>
+          </a:fontRef>
+        </p:style>
+        <p:txBody>
+          <a:bodyPr wrap="square" rtlCol="0">
+            <a:spAutoFit/>
+          </a:bodyPr>
+          <a:lstStyle/>
+          <a:p>
+            <a:pPr algn="ctr"/>
+            <a:r>
+              <a:rPr lang="en-US" u="sng" dirty="0"/>
+              <a:t>Cost at Giant Eagle:</a:t>
+            </a:r>
+          </a:p>
+          <a:p>
+            <a:pPr algn="ctr"/>
+            <a:endParaRPr lang="en-US" dirty="0"/>
+          </a:p>
+          <a:p>
+            <a:pPr algn="ctr"/>
+            <a:r>
+              <a:rPr lang="en-US" dirty="0"/>
+              <a:t>6 apples * $1/apple +  1 bag sugar * $1.50/bag  + 1 bag chips *  $4.00/bag = $11.50</a:t>
+            </a:r>
+          </a:p>
+          <a:p>
+            <a:pPr algn="ctr"/>
+            <a:endParaRPr lang="en-US" dirty="0"/>
+          </a:p>
+          <a:p>
+            <a:pPr algn="ctr"/>
+            <a:r>
+              <a:rPr lang="en-US" u="sng" dirty="0"/>
+              <a:t>Cost at Food Lion:</a:t>
+            </a:r>
+          </a:p>
+          <a:p>
+            <a:pPr algn="ctr"/>
+            <a:endParaRPr lang="en-US" dirty="0"/>
+          </a:p>
+          <a:p>
+            <a:pPr algn="ctr"/>
+            <a:r>
+              <a:rPr lang="en-US" dirty="0"/>
+              <a:t> 6 apples * $0.8/apple + 1 bag sugar * $1.50/bag  + 1 bag chips *  $4.00/bag = $10.30</a:t>
             </a:r>
           </a:p>
         </p:txBody>
@@ -5687,4 +8107,319 @@
     </a:ext>
   </a:extLst>
 </a:theme>
+</file>
+
+<file path=ppt/theme/theme2.xml><?xml version="1.0" encoding="utf-8"?>
+<a:theme xmlns:a="http://schemas.openxmlformats.org/drawingml/2006/main" name="Office Theme">
+  <a:themeElements>
+    <a:clrScheme name="Office">
+      <a:dk1>
+        <a:sysClr val="windowText" lastClr="000000"/>
+      </a:dk1>
+      <a:lt1>
+        <a:sysClr val="window" lastClr="FFFFFF"/>
+      </a:lt1>
+      <a:dk2>
+        <a:srgbClr val="0E2841"/>
+      </a:dk2>
+      <a:lt2>
+        <a:srgbClr val="E8E8E8"/>
+      </a:lt2>
+      <a:accent1>
+        <a:srgbClr val="156082"/>
+      </a:accent1>
+      <a:accent2>
+        <a:srgbClr val="E97132"/>
+      </a:accent2>
+      <a:accent3>
+        <a:srgbClr val="196B24"/>
+      </a:accent3>
+      <a:accent4>
+        <a:srgbClr val="0F9ED5"/>
+      </a:accent4>
+      <a:accent5>
+        <a:srgbClr val="A02B93"/>
+      </a:accent5>
+      <a:accent6>
+        <a:srgbClr val="4EA72E"/>
+      </a:accent6>
+      <a:hlink>
+        <a:srgbClr val="467886"/>
+      </a:hlink>
+      <a:folHlink>
+        <a:srgbClr val="96607D"/>
+      </a:folHlink>
+    </a:clrScheme>
+    <a:fontScheme name="Office">
+      <a:majorFont>
+        <a:latin typeface="Aptos Display" panose="02110004020202020204"/>
+        <a:ea typeface=""/>
+        <a:cs typeface=""/>
+        <a:font script="Jpan" typeface="游ゴシック Light"/>
+        <a:font script="Hang" typeface="맑은 고딕"/>
+        <a:font script="Hans" typeface="等线 Light"/>
+        <a:font script="Hant" typeface="新細明體"/>
+        <a:font script="Arab" typeface="Times New Roman"/>
+        <a:font script="Hebr" typeface="Times New Roman"/>
+        <a:font script="Thai" typeface="Angsana New"/>
+        <a:font script="Ethi" typeface="Nyala"/>
+        <a:font script="Beng" typeface="Vrinda"/>
+        <a:font script="Gujr" typeface="Shruti"/>
+        <a:font script="Khmr" typeface="MoolBoran"/>
+        <a:font script="Knda" typeface="Tunga"/>
+        <a:font script="Guru" typeface="Raavi"/>
+        <a:font script="Cans" typeface="Euphemia"/>
+        <a:font script="Cher" typeface="Plantagenet Cherokee"/>
+        <a:font script="Yiii" typeface="Microsoft Yi Baiti"/>
+        <a:font script="Tibt" typeface="Microsoft Himalaya"/>
+        <a:font script="Thaa" typeface="MV Boli"/>
+        <a:font script="Deva" typeface="Mangal"/>
+        <a:font script="Telu" typeface="Gautami"/>
+        <a:font script="Taml" typeface="Latha"/>
+        <a:font script="Syrc" typeface="Estrangelo Edessa"/>
+        <a:font script="Orya" typeface="Kalinga"/>
+        <a:font script="Mlym" typeface="Kartika"/>
+        <a:font script="Laoo" typeface="DokChampa"/>
+        <a:font script="Sinh" typeface="Iskoola Pota"/>
+        <a:font script="Mong" typeface="Mongolian Baiti"/>
+        <a:font script="Viet" typeface="Times New Roman"/>
+        <a:font script="Uigh" typeface="Microsoft Uighur"/>
+        <a:font script="Geor" typeface="Sylfaen"/>
+        <a:font script="Armn" typeface="Arial"/>
+        <a:font script="Bugi" typeface="Leelawadee UI"/>
+        <a:font script="Bopo" typeface="Microsoft JhengHei"/>
+        <a:font script="Java" typeface="Javanese Text"/>
+        <a:font script="Lisu" typeface="Segoe UI"/>
+        <a:font script="Mymr" typeface="Myanmar Text"/>
+        <a:font script="Nkoo" typeface="Ebrima"/>
+        <a:font script="Olck" typeface="Nirmala UI"/>
+        <a:font script="Osma" typeface="Ebrima"/>
+        <a:font script="Phag" typeface="Phagspa"/>
+        <a:font script="Syrn" typeface="Estrangelo Edessa"/>
+        <a:font script="Syrj" typeface="Estrangelo Edessa"/>
+        <a:font script="Syre" typeface="Estrangelo Edessa"/>
+        <a:font script="Sora" typeface="Nirmala UI"/>
+        <a:font script="Tale" typeface="Microsoft Tai Le"/>
+        <a:font script="Talu" typeface="Microsoft New Tai Lue"/>
+        <a:font script="Tfng" typeface="Ebrima"/>
+      </a:majorFont>
+      <a:minorFont>
+        <a:latin typeface="Aptos" panose="02110004020202020204"/>
+        <a:ea typeface=""/>
+        <a:cs typeface=""/>
+        <a:font script="Jpan" typeface="游ゴシック"/>
+        <a:font script="Hang" typeface="맑은 고딕"/>
+        <a:font script="Hans" typeface="等线"/>
+        <a:font script="Hant" typeface="新細明體"/>
+        <a:font script="Arab" typeface="Arial"/>
+        <a:font script="Hebr" typeface="Arial"/>
+        <a:font script="Thai" typeface="Cordia New"/>
+        <a:font script="Ethi" typeface="Nyala"/>
+        <a:font script="Beng" typeface="Vrinda"/>
+        <a:font script="Gujr" typeface="Shruti"/>
+        <a:font script="Khmr" typeface="DaunPenh"/>
+        <a:font script="Knda" typeface="Tunga"/>
+        <a:font script="Guru" typeface="Raavi"/>
+        <a:font script="Cans" typeface="Euphemia"/>
+        <a:font script="Cher" typeface="Plantagenet Cherokee"/>
+        <a:font script="Yiii" typeface="Microsoft Yi Baiti"/>
+        <a:font script="Tibt" typeface="Microsoft Himalaya"/>
+        <a:font script="Thaa" typeface="MV Boli"/>
+        <a:font script="Deva" typeface="Mangal"/>
+        <a:font script="Telu" typeface="Gautami"/>
+        <a:font script="Taml" typeface="Latha"/>
+        <a:font script="Syrc" typeface="Estrangelo Edessa"/>
+        <a:font script="Orya" typeface="Kalinga"/>
+        <a:font script="Mlym" typeface="Kartika"/>
+        <a:font script="Laoo" typeface="DokChampa"/>
+        <a:font script="Sinh" typeface="Iskoola Pota"/>
+        <a:font script="Mong" typeface="Mongolian Baiti"/>
+        <a:font script="Viet" typeface="Arial"/>
+        <a:font script="Uigh" typeface="Microsoft Uighur"/>
+        <a:font script="Geor" typeface="Sylfaen"/>
+        <a:font script="Armn" typeface="Arial"/>
+        <a:font script="Bugi" typeface="Leelawadee UI"/>
+        <a:font script="Bopo" typeface="Microsoft JhengHei"/>
+        <a:font script="Java" typeface="Javanese Text"/>
+        <a:font script="Lisu" typeface="Segoe UI"/>
+        <a:font script="Mymr" typeface="Myanmar Text"/>
+        <a:font script="Nkoo" typeface="Ebrima"/>
+        <a:font script="Olck" typeface="Nirmala UI"/>
+        <a:font script="Osma" typeface="Ebrima"/>
+        <a:font script="Phag" typeface="Phagspa"/>
+        <a:font script="Syrn" typeface="Estrangelo Edessa"/>
+        <a:font script="Syrj" typeface="Estrangelo Edessa"/>
+        <a:font script="Syre" typeface="Estrangelo Edessa"/>
+        <a:font script="Sora" typeface="Nirmala UI"/>
+        <a:font script="Tale" typeface="Microsoft Tai Le"/>
+        <a:font script="Talu" typeface="Microsoft New Tai Lue"/>
+        <a:font script="Tfng" typeface="Ebrima"/>
+      </a:minorFont>
+    </a:fontScheme>
+    <a:fmtScheme name="Office">
+      <a:fillStyleLst>
+        <a:solidFill>
+          <a:schemeClr val="phClr"/>
+        </a:solidFill>
+        <a:gradFill rotWithShape="1">
+          <a:gsLst>
+            <a:gs pos="0">
+              <a:schemeClr val="phClr">
+                <a:lumMod val="110000"/>
+                <a:satMod val="105000"/>
+                <a:tint val="67000"/>
+              </a:schemeClr>
+            </a:gs>
+            <a:gs pos="50000">
+              <a:schemeClr val="phClr">
+                <a:lumMod val="105000"/>
+                <a:satMod val="103000"/>
+                <a:tint val="73000"/>
+              </a:schemeClr>
+            </a:gs>
+            <a:gs pos="100000">
+              <a:schemeClr val="phClr">
+                <a:lumMod val="105000"/>
+                <a:satMod val="109000"/>
+                <a:tint val="81000"/>
+              </a:schemeClr>
+            </a:gs>
+          </a:gsLst>
+          <a:lin ang="5400000" scaled="0"/>
+        </a:gradFill>
+        <a:gradFill rotWithShape="1">
+          <a:gsLst>
+            <a:gs pos="0">
+              <a:schemeClr val="phClr">
+                <a:satMod val="103000"/>
+                <a:lumMod val="102000"/>
+                <a:tint val="94000"/>
+              </a:schemeClr>
+            </a:gs>
+            <a:gs pos="50000">
+              <a:schemeClr val="phClr">
+                <a:satMod val="110000"/>
+                <a:lumMod val="100000"/>
+                <a:shade val="100000"/>
+              </a:schemeClr>
+            </a:gs>
+            <a:gs pos="100000">
+              <a:schemeClr val="phClr">
+                <a:lumMod val="99000"/>
+                <a:satMod val="120000"/>
+                <a:shade val="78000"/>
+              </a:schemeClr>
+            </a:gs>
+          </a:gsLst>
+          <a:lin ang="5400000" scaled="0"/>
+        </a:gradFill>
+      </a:fillStyleLst>
+      <a:lnStyleLst>
+        <a:ln w="12700" cap="flat" cmpd="sng" algn="ctr">
+          <a:solidFill>
+            <a:schemeClr val="phClr"/>
+          </a:solidFill>
+          <a:prstDash val="solid"/>
+          <a:miter lim="800000"/>
+        </a:ln>
+        <a:ln w="19050" cap="flat" cmpd="sng" algn="ctr">
+          <a:solidFill>
+            <a:schemeClr val="phClr"/>
+          </a:solidFill>
+          <a:prstDash val="solid"/>
+          <a:miter lim="800000"/>
+        </a:ln>
+        <a:ln w="25400" cap="flat" cmpd="sng" algn="ctr">
+          <a:solidFill>
+            <a:schemeClr val="phClr"/>
+          </a:solidFill>
+          <a:prstDash val="solid"/>
+          <a:miter lim="800000"/>
+        </a:ln>
+      </a:lnStyleLst>
+      <a:effectStyleLst>
+        <a:effectStyle>
+          <a:effectLst/>
+        </a:effectStyle>
+        <a:effectStyle>
+          <a:effectLst/>
+        </a:effectStyle>
+        <a:effectStyle>
+          <a:effectLst>
+            <a:outerShdw blurRad="57150" dist="19050" dir="5400000" algn="ctr" rotWithShape="0">
+              <a:srgbClr val="000000">
+                <a:alpha val="63000"/>
+              </a:srgbClr>
+            </a:outerShdw>
+          </a:effectLst>
+        </a:effectStyle>
+      </a:effectStyleLst>
+      <a:bgFillStyleLst>
+        <a:solidFill>
+          <a:schemeClr val="phClr"/>
+        </a:solidFill>
+        <a:solidFill>
+          <a:schemeClr val="phClr">
+            <a:tint val="95000"/>
+            <a:satMod val="170000"/>
+          </a:schemeClr>
+        </a:solidFill>
+        <a:gradFill rotWithShape="1">
+          <a:gsLst>
+            <a:gs pos="0">
+              <a:schemeClr val="phClr">
+                <a:tint val="93000"/>
+                <a:satMod val="150000"/>
+                <a:shade val="98000"/>
+                <a:lumMod val="102000"/>
+              </a:schemeClr>
+            </a:gs>
+            <a:gs pos="50000">
+              <a:schemeClr val="phClr">
+                <a:tint val="98000"/>
+                <a:satMod val="130000"/>
+                <a:shade val="90000"/>
+                <a:lumMod val="103000"/>
+              </a:schemeClr>
+            </a:gs>
+            <a:gs pos="100000">
+              <a:schemeClr val="phClr">
+                <a:shade val="63000"/>
+                <a:satMod val="120000"/>
+              </a:schemeClr>
+            </a:gs>
+          </a:gsLst>
+          <a:lin ang="5400000" scaled="0"/>
+        </a:gradFill>
+      </a:bgFillStyleLst>
+    </a:fmtScheme>
+  </a:themeElements>
+  <a:objectDefaults>
+    <a:lnDef>
+      <a:spPr/>
+      <a:bodyPr/>
+      <a:lstStyle/>
+      <a:style>
+        <a:lnRef idx="2">
+          <a:schemeClr val="accent1"/>
+        </a:lnRef>
+        <a:fillRef idx="0">
+          <a:schemeClr val="accent1"/>
+        </a:fillRef>
+        <a:effectRef idx="1">
+          <a:schemeClr val="accent1"/>
+        </a:effectRef>
+        <a:fontRef idx="minor">
+          <a:schemeClr val="tx1"/>
+        </a:fontRef>
+      </a:style>
+    </a:lnDef>
+  </a:objectDefaults>
+  <a:extraClrSchemeLst/>
+  <a:extLst>
+    <a:ext uri="{05A4C25C-085E-4340-85A3-A5531E510DB2}">
+      <thm15:themeFamily xmlns:thm15="http://schemas.microsoft.com/office/thememl/2012/main" name="Office Theme" id="{2E142A2C-CD16-42D6-873A-C26D2A0506FA}" vid="{1BDDFF52-6CD6-40A5-AB3C-68EB2F1E4D0A}"/>
+    </a:ext>
+  </a:extLst>
+</a:theme>
 </file>